--- a/docs/EvidenceProjectoIntegradorFinal.pptx
+++ b/docs/EvidenceProjectoIntegradorFinal.pptx
@@ -11,9 +11,10 @@
     <p:sldId id="258" r:id="rId5"/>
     <p:sldId id="257" r:id="rId6"/>
     <p:sldId id="260" r:id="rId7"/>
-    <p:sldId id="261" r:id="rId8"/>
-    <p:sldId id="262" r:id="rId9"/>
-    <p:sldId id="263" r:id="rId10"/>
+    <p:sldId id="265" r:id="rId8"/>
+    <p:sldId id="261" r:id="rId9"/>
+    <p:sldId id="262" r:id="rId10"/>
+    <p:sldId id="263" r:id="rId11"/>
   </p:sldIdLst>
   <p:sldSz cx="12192000" cy="6858000"/>
   <p:notesSz cx="6858000" cy="9144000"/>
@@ -112,13 +113,18 @@
       </a:defRPr>
     </a:lvl9pPr>
   </p:defaultTextStyle>
+  <p:extLst>
+    <p:ext uri="{EFAFB233-063F-42B5-8137-9DF3F51BA10A}">
+      <p15:sldGuideLst xmlns:p15="http://schemas.microsoft.com/office/powerpoint/2012/main"/>
+    </p:ext>
+  </p:extLst>
 </p:presentation>
 </file>
 
 <file path=ppt/revisionInfo.xml><?xml version="1.0" encoding="utf-8"?>
 <p1510:revInfo xmlns:a="http://schemas.openxmlformats.org/drawingml/2006/main" xmlns:r="http://schemas.openxmlformats.org/officeDocument/2006/relationships" xmlns:p1510="http://schemas.microsoft.com/office/powerpoint/2015/10/main">
   <p1510:revLst>
-    <p1510:client id="{4655CA4E-8DC8-4A8D-BE13-15AFC6B39EC8}" v="13" dt="2025-12-02T04:42:02"/>
+    <p1510:client id="{E691D81C-3757-4692-AC3B-41AAA37CBD59}" v="18" dt="2025-12-17T03:34:12.680"/>
   </p1510:revLst>
 </p1510:revInfo>
 </file>
@@ -128,7 +134,7 @@
   <pc:docChgLst>
     <pc:chgData name="Enrique Rodriguez T" userId="32b13e1ab8ff8e75" providerId="LiveId" clId="{CF940E53-9561-43CB-AECB-8308DFA64550}"/>
     <pc:docChg chg="undo custSel addSld modSld sldOrd">
-      <pc:chgData name="Enrique Rodriguez T" userId="32b13e1ab8ff8e75" providerId="LiveId" clId="{CF940E53-9561-43CB-AECB-8308DFA64550}" dt="2025-12-02T04:42:18.098" v="335" actId="1076"/>
+      <pc:chgData name="Enrique Rodriguez T" userId="32b13e1ab8ff8e75" providerId="LiveId" clId="{CF940E53-9561-43CB-AECB-8308DFA64550}" dt="2025-12-17T03:34:15.622" v="1146" actId="1076"/>
       <pc:docMkLst>
         <pc:docMk/>
       </pc:docMkLst>
@@ -204,7 +210,7 @@
         </pc:spChg>
       </pc:sldChg>
       <pc:sldChg chg="addSp delSp modSp new mod setBg modClrScheme chgLayout">
-        <pc:chgData name="Enrique Rodriguez T" userId="32b13e1ab8ff8e75" providerId="LiveId" clId="{CF940E53-9561-43CB-AECB-8308DFA64550}" dt="2025-12-02T04:39:13.370" v="290" actId="26606"/>
+        <pc:chgData name="Enrique Rodriguez T" userId="32b13e1ab8ff8e75" providerId="LiveId" clId="{CF940E53-9561-43CB-AECB-8308DFA64550}" dt="2025-12-17T03:18:13.872" v="512" actId="6549"/>
         <pc:sldMkLst>
           <pc:docMk/>
           <pc:sldMk cId="2180174232" sldId="257"/>
@@ -217,52 +223,12 @@
             <ac:spMk id="2" creationId="{1FB0C9EB-7A44-C6AE-A482-9F1662E27ABC}"/>
           </ac:spMkLst>
         </pc:spChg>
-        <pc:spChg chg="del">
-          <ac:chgData name="Enrique Rodriguez T" userId="32b13e1ab8ff8e75" providerId="LiveId" clId="{CF940E53-9561-43CB-AECB-8308DFA64550}" dt="2025-12-02T04:22:30.310" v="121" actId="700"/>
+        <pc:spChg chg="add mod">
+          <ac:chgData name="Enrique Rodriguez T" userId="32b13e1ab8ff8e75" providerId="LiveId" clId="{CF940E53-9561-43CB-AECB-8308DFA64550}" dt="2025-12-17T03:18:13.872" v="512" actId="6549"/>
           <ac:spMkLst>
             <pc:docMk/>
             <pc:sldMk cId="2180174232" sldId="257"/>
-            <ac:spMk id="3" creationId="{D8E38EA1-A449-08D9-5C40-B19D0B007C1B}"/>
-          </ac:spMkLst>
-        </pc:spChg>
-        <pc:spChg chg="add del">
-          <ac:chgData name="Enrique Rodriguez T" userId="32b13e1ab8ff8e75" providerId="LiveId" clId="{CF940E53-9561-43CB-AECB-8308DFA64550}" dt="2025-12-02T04:39:13.360" v="289" actId="26606"/>
-          <ac:spMkLst>
-            <pc:docMk/>
-            <pc:sldMk cId="2180174232" sldId="257"/>
-            <ac:spMk id="10" creationId="{A8384FB5-9ADC-4DDC-881B-597D56F5B15D}"/>
-          </ac:spMkLst>
-        </pc:spChg>
-        <pc:spChg chg="add del">
-          <ac:chgData name="Enrique Rodriguez T" userId="32b13e1ab8ff8e75" providerId="LiveId" clId="{CF940E53-9561-43CB-AECB-8308DFA64550}" dt="2025-12-02T04:39:13.360" v="289" actId="26606"/>
-          <ac:spMkLst>
-            <pc:docMk/>
-            <pc:sldMk cId="2180174232" sldId="257"/>
-            <ac:spMk id="12" creationId="{91E5A9A7-95C6-4F4F-B00E-C82E07FE62EF}"/>
-          </ac:spMkLst>
-        </pc:spChg>
-        <pc:spChg chg="add del">
-          <ac:chgData name="Enrique Rodriguez T" userId="32b13e1ab8ff8e75" providerId="LiveId" clId="{CF940E53-9561-43CB-AECB-8308DFA64550}" dt="2025-12-02T04:39:13.360" v="289" actId="26606"/>
-          <ac:spMkLst>
-            <pc:docMk/>
-            <pc:sldMk cId="2180174232" sldId="257"/>
-            <ac:spMk id="14" creationId="{D07DD2DE-F619-49DD-B5E7-03A290FF4ED1}"/>
-          </ac:spMkLst>
-        </pc:spChg>
-        <pc:spChg chg="add del">
-          <ac:chgData name="Enrique Rodriguez T" userId="32b13e1ab8ff8e75" providerId="LiveId" clId="{CF940E53-9561-43CB-AECB-8308DFA64550}" dt="2025-12-02T04:39:13.360" v="289" actId="26606"/>
-          <ac:spMkLst>
-            <pc:docMk/>
-            <pc:sldMk cId="2180174232" sldId="257"/>
-            <ac:spMk id="16" creationId="{85149191-5F60-4A28-AAFF-039F96B0F3EC}"/>
-          </ac:spMkLst>
-        </pc:spChg>
-        <pc:spChg chg="add del">
-          <ac:chgData name="Enrique Rodriguez T" userId="32b13e1ab8ff8e75" providerId="LiveId" clId="{CF940E53-9561-43CB-AECB-8308DFA64550}" dt="2025-12-02T04:39:13.360" v="289" actId="26606"/>
-          <ac:spMkLst>
-            <pc:docMk/>
-            <pc:sldMk cId="2180174232" sldId="257"/>
-            <ac:spMk id="18" creationId="{F8260ED5-17F7-4158-B241-D51DD4CF1B7E}"/>
+            <ac:spMk id="3" creationId="{6F73E824-2EE5-D225-B037-B6A3D8DD8B3D}"/>
           </ac:spMkLst>
         </pc:spChg>
         <pc:spChg chg="add">
@@ -306,8 +272,8 @@
           </ac:picMkLst>
         </pc:picChg>
       </pc:sldChg>
-      <pc:sldChg chg="addSp modSp new mod ord setBg">
-        <pc:chgData name="Enrique Rodriguez T" userId="32b13e1ab8ff8e75" providerId="LiveId" clId="{CF940E53-9561-43CB-AECB-8308DFA64550}" dt="2025-12-02T04:39:07.788" v="287" actId="26606"/>
+      <pc:sldChg chg="addSp delSp modSp new mod ord setBg">
+        <pc:chgData name="Enrique Rodriguez T" userId="32b13e1ab8ff8e75" providerId="LiveId" clId="{CF940E53-9561-43CB-AECB-8308DFA64550}" dt="2025-12-17T03:17:36.858" v="507" actId="1076"/>
         <pc:sldMkLst>
           <pc:docMk/>
           <pc:sldMk cId="1384120513" sldId="258"/>
@@ -318,6 +284,14 @@
             <pc:docMk/>
             <pc:sldMk cId="1384120513" sldId="258"/>
             <ac:spMk id="2" creationId="{17856307-C19C-BE13-3793-DBD59DF9B2D4}"/>
+          </ac:spMkLst>
+        </pc:spChg>
+        <pc:spChg chg="add mod">
+          <ac:chgData name="Enrique Rodriguez T" userId="32b13e1ab8ff8e75" providerId="LiveId" clId="{CF940E53-9561-43CB-AECB-8308DFA64550}" dt="2025-12-17T03:17:36.858" v="507" actId="1076"/>
+          <ac:spMkLst>
+            <pc:docMk/>
+            <pc:sldMk cId="1384120513" sldId="258"/>
+            <ac:spMk id="6" creationId="{76194709-DB37-350A-87F8-A59765F9E6EC}"/>
           </ac:spMkLst>
         </pc:spChg>
         <pc:spChg chg="add">
@@ -360,12 +334,20 @@
             <ac:spMk id="17" creationId="{F8260ED5-17F7-4158-B241-D51DD4CF1B7E}"/>
           </ac:spMkLst>
         </pc:spChg>
-        <pc:picChg chg="add mod">
-          <ac:chgData name="Enrique Rodriguez T" userId="32b13e1ab8ff8e75" providerId="LiveId" clId="{CF940E53-9561-43CB-AECB-8308DFA64550}" dt="2025-12-02T04:39:07.788" v="287" actId="26606"/>
+        <pc:picChg chg="add del mod">
+          <ac:chgData name="Enrique Rodriguez T" userId="32b13e1ab8ff8e75" providerId="LiveId" clId="{CF940E53-9561-43CB-AECB-8308DFA64550}" dt="2025-12-17T03:12:36.500" v="373" actId="478"/>
           <ac:picMkLst>
             <pc:docMk/>
             <pc:sldMk cId="1384120513" sldId="258"/>
             <ac:picMk id="4" creationId="{031D9BEF-BA64-615F-A1F4-AE4434B85F9D}"/>
+          </ac:picMkLst>
+        </pc:picChg>
+        <pc:picChg chg="add mod">
+          <ac:chgData name="Enrique Rodriguez T" userId="32b13e1ab8ff8e75" providerId="LiveId" clId="{CF940E53-9561-43CB-AECB-8308DFA64550}" dt="2025-12-17T03:13:00.873" v="378" actId="1076"/>
+          <ac:picMkLst>
+            <pc:docMk/>
+            <pc:sldMk cId="1384120513" sldId="258"/>
+            <ac:picMk id="5" creationId="{CFC175DA-5B14-B2B1-9C7F-7977B297ACBC}"/>
           </ac:picMkLst>
         </pc:picChg>
       </pc:sldChg>
@@ -433,17 +415,17 @@
         </pc:picChg>
       </pc:sldChg>
       <pc:sldChg chg="addSp delSp modSp new mod setBg chgLayout">
-        <pc:chgData name="Enrique Rodriguez T" userId="32b13e1ab8ff8e75" providerId="LiveId" clId="{CF940E53-9561-43CB-AECB-8308DFA64550}" dt="2025-12-02T04:41:46.234" v="326" actId="1076"/>
+        <pc:chgData name="Enrique Rodriguez T" userId="32b13e1ab8ff8e75" providerId="LiveId" clId="{CF940E53-9561-43CB-AECB-8308DFA64550}" dt="2025-12-17T03:23:37.676" v="802" actId="20577"/>
         <pc:sldMkLst>
           <pc:docMk/>
           <pc:sldMk cId="1505300010" sldId="260"/>
         </pc:sldMkLst>
-        <pc:spChg chg="del">
-          <ac:chgData name="Enrique Rodriguez T" userId="32b13e1ab8ff8e75" providerId="LiveId" clId="{CF940E53-9561-43CB-AECB-8308DFA64550}" dt="2025-12-02T04:25:13.638" v="185" actId="700"/>
+        <pc:spChg chg="add mod">
+          <ac:chgData name="Enrique Rodriguez T" userId="32b13e1ab8ff8e75" providerId="LiveId" clId="{CF940E53-9561-43CB-AECB-8308DFA64550}" dt="2025-12-17T03:22:35.555" v="782" actId="20577"/>
           <ac:spMkLst>
             <pc:docMk/>
             <pc:sldMk cId="1505300010" sldId="260"/>
-            <ac:spMk id="2" creationId="{F1D960D2-9C57-E190-CEFB-C64EB077019D}"/>
+            <ac:spMk id="2" creationId="{4962BFB4-73E1-D14D-7AF5-E896FA46B7DC}"/>
           </ac:spMkLst>
         </pc:spChg>
         <pc:spChg chg="add mod ord">
@@ -452,6 +434,30 @@
             <pc:docMk/>
             <pc:sldMk cId="1505300010" sldId="260"/>
             <ac:spMk id="3" creationId="{6A25AC4A-2025-5215-9608-519B9DAEE856}"/>
+          </ac:spMkLst>
+        </pc:spChg>
+        <pc:spChg chg="add mod">
+          <ac:chgData name="Enrique Rodriguez T" userId="32b13e1ab8ff8e75" providerId="LiveId" clId="{CF940E53-9561-43CB-AECB-8308DFA64550}" dt="2025-12-17T03:21:46.800" v="717" actId="1076"/>
+          <ac:spMkLst>
+            <pc:docMk/>
+            <pc:sldMk cId="1505300010" sldId="260"/>
+            <ac:spMk id="11" creationId="{79541716-DAAC-CC89-8B09-3DC8DEE11ECF}"/>
+          </ac:spMkLst>
+        </pc:spChg>
+        <pc:spChg chg="add mod">
+          <ac:chgData name="Enrique Rodriguez T" userId="32b13e1ab8ff8e75" providerId="LiveId" clId="{CF940E53-9561-43CB-AECB-8308DFA64550}" dt="2025-12-17T03:21:54.464" v="721" actId="20577"/>
+          <ac:spMkLst>
+            <pc:docMk/>
+            <pc:sldMk cId="1505300010" sldId="260"/>
+            <ac:spMk id="12" creationId="{4C331D27-DE7B-3A57-D89A-72A7F9FA0CC9}"/>
+          </ac:spMkLst>
+        </pc:spChg>
+        <pc:spChg chg="add mod">
+          <ac:chgData name="Enrique Rodriguez T" userId="32b13e1ab8ff8e75" providerId="LiveId" clId="{CF940E53-9561-43CB-AECB-8308DFA64550}" dt="2025-12-17T03:23:27.565" v="798" actId="1036"/>
+          <ac:spMkLst>
+            <pc:docMk/>
+            <pc:sldMk cId="1505300010" sldId="260"/>
+            <ac:spMk id="13" creationId="{4B69D33A-9912-699E-25F7-D20CB5137F86}"/>
           </ac:spMkLst>
         </pc:spChg>
         <pc:spChg chg="add">
@@ -478,6 +484,14 @@
             <ac:spMk id="18" creationId="{8EC0EE2B-2029-48DD-893D-F528E651B07D}"/>
           </ac:spMkLst>
         </pc:spChg>
+        <pc:spChg chg="add mod">
+          <ac:chgData name="Enrique Rodriguez T" userId="32b13e1ab8ff8e75" providerId="LiveId" clId="{CF940E53-9561-43CB-AECB-8308DFA64550}" dt="2025-12-17T03:23:37.676" v="802" actId="20577"/>
+          <ac:spMkLst>
+            <pc:docMk/>
+            <pc:sldMk cId="1505300010" sldId="260"/>
+            <ac:spMk id="19" creationId="{99DC1590-8608-625D-2883-D5023337AF1C}"/>
+          </ac:spMkLst>
+        </pc:spChg>
         <pc:spChg chg="add">
           <ac:chgData name="Enrique Rodriguez T" userId="32b13e1ab8ff8e75" providerId="LiveId" clId="{CF940E53-9561-43CB-AECB-8308DFA64550}" dt="2025-12-02T04:39:16.248" v="291" actId="26606"/>
           <ac:spMkLst>
@@ -494,33 +508,57 @@
             <ac:spMk id="22" creationId="{9A79B912-88EA-4640-BDEB-51B3B11A026A}"/>
           </ac:spMkLst>
         </pc:spChg>
-        <pc:picChg chg="add mod">
-          <ac:chgData name="Enrique Rodriguez T" userId="32b13e1ab8ff8e75" providerId="LiveId" clId="{CF940E53-9561-43CB-AECB-8308DFA64550}" dt="2025-12-02T04:41:32.031" v="317" actId="1076"/>
+        <pc:picChg chg="add del mod">
+          <ac:chgData name="Enrique Rodriguez T" userId="32b13e1ab8ff8e75" providerId="LiveId" clId="{CF940E53-9561-43CB-AECB-8308DFA64550}" dt="2025-12-17T03:18:54.395" v="549" actId="478"/>
           <ac:picMkLst>
             <pc:docMk/>
             <pc:sldMk cId="1505300010" sldId="260"/>
             <ac:picMk id="5" creationId="{EDDF01CC-852B-F998-A053-277D1BCD6CEA}"/>
           </ac:picMkLst>
         </pc:picChg>
-        <pc:picChg chg="add mod ord">
-          <ac:chgData name="Enrique Rodriguez T" userId="32b13e1ab8ff8e75" providerId="LiveId" clId="{CF940E53-9561-43CB-AECB-8308DFA64550}" dt="2025-12-02T04:41:42.780" v="324" actId="1076"/>
+        <pc:picChg chg="add mod">
+          <ac:chgData name="Enrique Rodriguez T" userId="32b13e1ab8ff8e75" providerId="LiveId" clId="{CF940E53-9561-43CB-AECB-8308DFA64550}" dt="2025-12-17T03:21:05.090" v="691" actId="1076"/>
+          <ac:picMkLst>
+            <pc:docMk/>
+            <pc:sldMk cId="1505300010" sldId="260"/>
+            <ac:picMk id="6" creationId="{A8C30F01-81D6-ED26-C3A0-E8D1B1E19B2B}"/>
+          </ac:picMkLst>
+        </pc:picChg>
+        <pc:picChg chg="add del mod ord">
+          <ac:chgData name="Enrique Rodriguez T" userId="32b13e1ab8ff8e75" providerId="LiveId" clId="{CF940E53-9561-43CB-AECB-8308DFA64550}" dt="2025-12-17T03:18:54.908" v="550" actId="478"/>
           <ac:picMkLst>
             <pc:docMk/>
             <pc:sldMk cId="1505300010" sldId="260"/>
             <ac:picMk id="7" creationId="{F68B2F4A-6B17-0E45-7894-5B546472C79B}"/>
           </ac:picMkLst>
         </pc:picChg>
-        <pc:picChg chg="add mod">
-          <ac:chgData name="Enrique Rodriguez T" userId="32b13e1ab8ff8e75" providerId="LiveId" clId="{CF940E53-9561-43CB-AECB-8308DFA64550}" dt="2025-12-02T04:41:46.234" v="326" actId="1076"/>
+        <pc:picChg chg="add del mod">
+          <ac:chgData name="Enrique Rodriguez T" userId="32b13e1ab8ff8e75" providerId="LiveId" clId="{CF940E53-9561-43CB-AECB-8308DFA64550}" dt="2025-12-17T03:18:55.300" v="551" actId="478"/>
           <ac:picMkLst>
             <pc:docMk/>
             <pc:sldMk cId="1505300010" sldId="260"/>
             <ac:picMk id="9" creationId="{2CB76F48-876F-B03D-4A15-570B28BCE858}"/>
           </ac:picMkLst>
         </pc:picChg>
+        <pc:picChg chg="add mod">
+          <ac:chgData name="Enrique Rodriguez T" userId="32b13e1ab8ff8e75" providerId="LiveId" clId="{CF940E53-9561-43CB-AECB-8308DFA64550}" dt="2025-12-17T03:23:20.054" v="787" actId="1076"/>
+          <ac:picMkLst>
+            <pc:docMk/>
+            <pc:sldMk cId="1505300010" sldId="260"/>
+            <ac:picMk id="10" creationId="{8994E43F-85F8-4917-6243-C387E75DA945}"/>
+          </ac:picMkLst>
+        </pc:picChg>
+        <pc:picChg chg="add mod">
+          <ac:chgData name="Enrique Rodriguez T" userId="32b13e1ab8ff8e75" providerId="LiveId" clId="{CF940E53-9561-43CB-AECB-8308DFA64550}" dt="2025-12-17T03:23:21.069" v="788" actId="1076"/>
+          <ac:picMkLst>
+            <pc:docMk/>
+            <pc:sldMk cId="1505300010" sldId="260"/>
+            <ac:picMk id="17" creationId="{2D21F8C7-D71C-5258-6446-6839D72011BC}"/>
+          </ac:picMkLst>
+        </pc:picChg>
       </pc:sldChg>
       <pc:sldChg chg="addSp delSp modSp new mod setBg">
-        <pc:chgData name="Enrique Rodriguez T" userId="32b13e1ab8ff8e75" providerId="LiveId" clId="{CF940E53-9561-43CB-AECB-8308DFA64550}" dt="2025-12-02T04:41:17.280" v="314" actId="553"/>
+        <pc:chgData name="Enrique Rodriguez T" userId="32b13e1ab8ff8e75" providerId="LiveId" clId="{CF940E53-9561-43CB-AECB-8308DFA64550}" dt="2025-12-17T03:31:47.840" v="1112" actId="1076"/>
         <pc:sldMkLst>
           <pc:docMk/>
           <pc:sldMk cId="3942608588" sldId="261"/>
@@ -533,32 +571,32 @@
             <ac:spMk id="2" creationId="{0A59BA24-C09B-CB9B-2D51-2D7D570E2053}"/>
           </ac:spMkLst>
         </pc:spChg>
-        <pc:spChg chg="add mod">
-          <ac:chgData name="Enrique Rodriguez T" userId="32b13e1ab8ff8e75" providerId="LiveId" clId="{CF940E53-9561-43CB-AECB-8308DFA64550}" dt="2025-12-02T04:41:17.280" v="314" actId="553"/>
+        <pc:spChg chg="add mod ord">
+          <ac:chgData name="Enrique Rodriguez T" userId="32b13e1ab8ff8e75" providerId="LiveId" clId="{CF940E53-9561-43CB-AECB-8308DFA64550}" dt="2025-12-17T03:29:27.036" v="1089" actId="1076"/>
           <ac:spMkLst>
             <pc:docMk/>
             <pc:sldMk cId="3942608588" sldId="261"/>
             <ac:spMk id="15" creationId="{A41657CB-1D99-BC9C-90C6-2A413DEB10BE}"/>
           </ac:spMkLst>
         </pc:spChg>
-        <pc:spChg chg="add mod">
-          <ac:chgData name="Enrique Rodriguez T" userId="32b13e1ab8ff8e75" providerId="LiveId" clId="{CF940E53-9561-43CB-AECB-8308DFA64550}" dt="2025-12-02T04:41:17.280" v="314" actId="553"/>
+        <pc:spChg chg="add mod ord">
+          <ac:chgData name="Enrique Rodriguez T" userId="32b13e1ab8ff8e75" providerId="LiveId" clId="{CF940E53-9561-43CB-AECB-8308DFA64550}" dt="2025-12-17T03:29:27.036" v="1089" actId="1076"/>
           <ac:spMkLst>
             <pc:docMk/>
             <pc:sldMk cId="3942608588" sldId="261"/>
             <ac:spMk id="16" creationId="{0A89758F-83D0-F6BC-5958-935FE86EFA1D}"/>
           </ac:spMkLst>
         </pc:spChg>
-        <pc:spChg chg="add mod">
-          <ac:chgData name="Enrique Rodriguez T" userId="32b13e1ab8ff8e75" providerId="LiveId" clId="{CF940E53-9561-43CB-AECB-8308DFA64550}" dt="2025-12-02T04:41:17.280" v="314" actId="553"/>
+        <pc:spChg chg="add mod ord">
+          <ac:chgData name="Enrique Rodriguez T" userId="32b13e1ab8ff8e75" providerId="LiveId" clId="{CF940E53-9561-43CB-AECB-8308DFA64550}" dt="2025-12-17T03:29:27.036" v="1089" actId="1076"/>
           <ac:spMkLst>
             <pc:docMk/>
             <pc:sldMk cId="3942608588" sldId="261"/>
             <ac:spMk id="17" creationId="{CF3752B4-9EFB-6426-C295-AE6FD5CF9196}"/>
           </ac:spMkLst>
         </pc:spChg>
-        <pc:spChg chg="add mod">
-          <ac:chgData name="Enrique Rodriguez T" userId="32b13e1ab8ff8e75" providerId="LiveId" clId="{CF940E53-9561-43CB-AECB-8308DFA64550}" dt="2025-12-02T04:41:17.280" v="314" actId="553"/>
+        <pc:spChg chg="add mod ord">
+          <ac:chgData name="Enrique Rodriguez T" userId="32b13e1ab8ff8e75" providerId="LiveId" clId="{CF940E53-9561-43CB-AECB-8308DFA64550}" dt="2025-12-17T03:29:27.036" v="1089" actId="1076"/>
           <ac:spMkLst>
             <pc:docMk/>
             <pc:sldMk cId="3942608588" sldId="261"/>
@@ -605,79 +643,63 @@
             <ac:spMk id="27" creationId="{9A79B912-88EA-4640-BDEB-51B3B11A026A}"/>
           </ac:spMkLst>
         </pc:spChg>
-        <pc:picChg chg="add mod">
-          <ac:chgData name="Enrique Rodriguez T" userId="32b13e1ab8ff8e75" providerId="LiveId" clId="{CF940E53-9561-43CB-AECB-8308DFA64550}" dt="2025-12-02T04:40:11.510" v="304" actId="26606"/>
+        <pc:picChg chg="add del mod">
+          <ac:chgData name="Enrique Rodriguez T" userId="32b13e1ab8ff8e75" providerId="LiveId" clId="{CF940E53-9561-43CB-AECB-8308DFA64550}" dt="2025-12-17T03:29:00.238" v="1080" actId="478"/>
           <ac:picMkLst>
             <pc:docMk/>
             <pc:sldMk cId="3942608588" sldId="261"/>
             <ac:picMk id="4" creationId="{6C9BBF72-285B-0F3B-199F-2C7068D3877E}"/>
           </ac:picMkLst>
         </pc:picChg>
+        <pc:picChg chg="add mod ord">
+          <ac:chgData name="Enrique Rodriguez T" userId="32b13e1ab8ff8e75" providerId="LiveId" clId="{CF940E53-9561-43CB-AECB-8308DFA64550}" dt="2025-12-17T03:29:27.036" v="1089" actId="1076"/>
+          <ac:picMkLst>
+            <pc:docMk/>
+            <pc:sldMk cId="3942608588" sldId="261"/>
+            <ac:picMk id="5" creationId="{6345C05C-9E0A-10B9-FDC7-7400C52CC168}"/>
+          </ac:picMkLst>
+        </pc:picChg>
         <pc:picChg chg="add mod">
-          <ac:chgData name="Enrique Rodriguez T" userId="32b13e1ab8ff8e75" providerId="LiveId" clId="{CF940E53-9561-43CB-AECB-8308DFA64550}" dt="2025-12-02T04:40:11.510" v="304" actId="26606"/>
+          <ac:chgData name="Enrique Rodriguez T" userId="32b13e1ab8ff8e75" providerId="LiveId" clId="{CF940E53-9561-43CB-AECB-8308DFA64550}" dt="2025-12-17T03:31:46.121" v="1111" actId="1076"/>
+          <ac:picMkLst>
+            <pc:docMk/>
+            <pc:sldMk cId="3942608588" sldId="261"/>
+            <ac:picMk id="7" creationId="{B7F58666-6A9C-ABC2-5664-4986FAF0EA7C}"/>
+          </ac:picMkLst>
+        </pc:picChg>
+        <pc:picChg chg="add del mod">
+          <ac:chgData name="Enrique Rodriguez T" userId="32b13e1ab8ff8e75" providerId="LiveId" clId="{CF940E53-9561-43CB-AECB-8308DFA64550}" dt="2025-12-17T03:31:42.874" v="1108" actId="478"/>
           <ac:picMkLst>
             <pc:docMk/>
             <pc:sldMk cId="3942608588" sldId="261"/>
             <ac:picMk id="12" creationId="{79B0E2A9-722A-EBD5-D5CE-288F0F5135CF}"/>
           </ac:picMkLst>
         </pc:picChg>
-        <pc:picChg chg="add mod">
-          <ac:chgData name="Enrique Rodriguez T" userId="32b13e1ab8ff8e75" providerId="LiveId" clId="{CF940E53-9561-43CB-AECB-8308DFA64550}" dt="2025-12-02T04:40:11.510" v="304" actId="26606"/>
+        <pc:picChg chg="add del mod">
+          <ac:chgData name="Enrique Rodriguez T" userId="32b13e1ab8ff8e75" providerId="LiveId" clId="{CF940E53-9561-43CB-AECB-8308DFA64550}" dt="2025-12-17T03:31:47.840" v="1112" actId="1076"/>
           <ac:picMkLst>
             <pc:docMk/>
             <pc:sldMk cId="3942608588" sldId="261"/>
             <ac:picMk id="14" creationId="{EB1C56CB-E8A0-25ED-FAF3-0F4E2789796B}"/>
           </ac:picMkLst>
         </pc:picChg>
-        <pc:cxnChg chg="add del mod">
-          <ac:chgData name="Enrique Rodriguez T" userId="32b13e1ab8ff8e75" providerId="LiveId" clId="{CF940E53-9561-43CB-AECB-8308DFA64550}" dt="2025-12-02T04:40:09.398" v="303" actId="478"/>
-          <ac:cxnSpMkLst>
-            <pc:docMk/>
-            <pc:sldMk cId="3942608588" sldId="261"/>
-            <ac:cxnSpMk id="6" creationId="{D0715089-2EF9-75D9-8F2E-FC141703BB50}"/>
-          </ac:cxnSpMkLst>
-        </pc:cxnChg>
-        <pc:cxnChg chg="add del mod">
-          <ac:chgData name="Enrique Rodriguez T" userId="32b13e1ab8ff8e75" providerId="LiveId" clId="{CF940E53-9561-43CB-AECB-8308DFA64550}" dt="2025-12-02T04:40:08.726" v="302" actId="478"/>
-          <ac:cxnSpMkLst>
-            <pc:docMk/>
-            <pc:sldMk cId="3942608588" sldId="261"/>
-            <ac:cxnSpMk id="7" creationId="{82A80409-7B26-22F9-57A6-95783D7573EA}"/>
-          </ac:cxnSpMkLst>
-        </pc:cxnChg>
-        <pc:cxnChg chg="add del mod">
-          <ac:chgData name="Enrique Rodriguez T" userId="32b13e1ab8ff8e75" providerId="LiveId" clId="{CF940E53-9561-43CB-AECB-8308DFA64550}" dt="2025-12-02T04:40:07.285" v="300" actId="478"/>
-          <ac:cxnSpMkLst>
-            <pc:docMk/>
-            <pc:sldMk cId="3942608588" sldId="261"/>
-            <ac:cxnSpMk id="8" creationId="{DD084D88-374C-A5E5-F854-F9E1C37E2DBC}"/>
-          </ac:cxnSpMkLst>
-        </pc:cxnChg>
-        <pc:cxnChg chg="add del mod">
-          <ac:chgData name="Enrique Rodriguez T" userId="32b13e1ab8ff8e75" providerId="LiveId" clId="{CF940E53-9561-43CB-AECB-8308DFA64550}" dt="2025-12-02T04:40:08.133" v="301" actId="478"/>
-          <ac:cxnSpMkLst>
-            <pc:docMk/>
-            <pc:sldMk cId="3942608588" sldId="261"/>
-            <ac:cxnSpMk id="9" creationId="{A7596195-6FCE-9DE0-1F5A-BD4109BF0817}"/>
-          </ac:cxnSpMkLst>
-        </pc:cxnChg>
       </pc:sldChg>
       <pc:sldChg chg="addSp delSp modSp new mod setBg">
-        <pc:chgData name="Enrique Rodriguez T" userId="32b13e1ab8ff8e75" providerId="LiveId" clId="{CF940E53-9561-43CB-AECB-8308DFA64550}" dt="2025-12-02T04:42:05.604" v="331" actId="1076"/>
+        <pc:chgData name="Enrique Rodriguez T" userId="32b13e1ab8ff8e75" providerId="LiveId" clId="{CF940E53-9561-43CB-AECB-8308DFA64550}" dt="2025-12-17T03:33:59.833" v="1141" actId="1076"/>
         <pc:sldMkLst>
           <pc:docMk/>
           <pc:sldMk cId="1387216456" sldId="262"/>
         </pc:sldMkLst>
         <pc:spChg chg="mod">
-          <ac:chgData name="Enrique Rodriguez T" userId="32b13e1ab8ff8e75" providerId="LiveId" clId="{CF940E53-9561-43CB-AECB-8308DFA64550}" dt="2025-12-02T04:39:58.956" v="297" actId="26606"/>
+          <ac:chgData name="Enrique Rodriguez T" userId="32b13e1ab8ff8e75" providerId="LiveId" clId="{CF940E53-9561-43CB-AECB-8308DFA64550}" dt="2025-12-17T03:32:02.779" v="1121" actId="20577"/>
           <ac:spMkLst>
             <pc:docMk/>
             <pc:sldMk cId="1387216456" sldId="262"/>
             <ac:spMk id="2" creationId="{CDA60196-91AE-DC70-3E25-BEB65450460C}"/>
           </ac:spMkLst>
         </pc:spChg>
-        <pc:spChg chg="add mod">
-          <ac:chgData name="Enrique Rodriguez T" userId="32b13e1ab8ff8e75" providerId="LiveId" clId="{CF940E53-9561-43CB-AECB-8308DFA64550}" dt="2025-12-02T04:42:05.604" v="331" actId="1076"/>
+        <pc:spChg chg="add del mod">
+          <ac:chgData name="Enrique Rodriguez T" userId="32b13e1ab8ff8e75" providerId="LiveId" clId="{CF940E53-9561-43CB-AECB-8308DFA64550}" dt="2025-12-17T03:30:29.905" v="1102" actId="478"/>
           <ac:spMkLst>
             <pc:docMk/>
             <pc:sldMk cId="1387216456" sldId="262"/>
@@ -690,6 +712,14 @@
             <pc:docMk/>
             <pc:sldMk cId="1387216456" sldId="262"/>
             <ac:spMk id="12" creationId="{2151139A-886F-4B97-8815-729AD3831BBD}"/>
+          </ac:spMkLst>
+        </pc:spChg>
+        <pc:spChg chg="add mod">
+          <ac:chgData name="Enrique Rodriguez T" userId="32b13e1ab8ff8e75" providerId="LiveId" clId="{CF940E53-9561-43CB-AECB-8308DFA64550}" dt="2025-12-17T03:33:59.833" v="1141" actId="1076"/>
+          <ac:spMkLst>
+            <pc:docMk/>
+            <pc:sldMk cId="1387216456" sldId="262"/>
+            <ac:spMk id="13" creationId="{5FE5D7F1-76F4-DF0A-DA83-068A518FC5F1}"/>
           </ac:spMkLst>
         </pc:spChg>
         <pc:spChg chg="add">
@@ -724,8 +754,8 @@
             <ac:spMk id="20" creationId="{DC701763-729E-462F-A5A8-E0DEFEB1E2E4}"/>
           </ac:spMkLst>
         </pc:spChg>
-        <pc:picChg chg="add mod ord">
-          <ac:chgData name="Enrique Rodriguez T" userId="32b13e1ab8ff8e75" providerId="LiveId" clId="{CF940E53-9561-43CB-AECB-8308DFA64550}" dt="2025-12-02T04:41:59.116" v="329" actId="1076"/>
+        <pc:picChg chg="add del mod ord">
+          <ac:chgData name="Enrique Rodriguez T" userId="32b13e1ab8ff8e75" providerId="LiveId" clId="{CF940E53-9561-43CB-AECB-8308DFA64550}" dt="2025-12-17T03:30:12.680" v="1096" actId="478"/>
           <ac:picMkLst>
             <pc:docMk/>
             <pc:sldMk cId="1387216456" sldId="262"/>
@@ -733,29 +763,37 @@
           </ac:picMkLst>
         </pc:picChg>
         <pc:picChg chg="add mod">
-          <ac:chgData name="Enrique Rodriguez T" userId="32b13e1ab8ff8e75" providerId="LiveId" clId="{CF940E53-9561-43CB-AECB-8308DFA64550}" dt="2025-12-02T04:41:57.309" v="328" actId="1076"/>
+          <ac:chgData name="Enrique Rodriguez T" userId="32b13e1ab8ff8e75" providerId="LiveId" clId="{CF940E53-9561-43CB-AECB-8308DFA64550}" dt="2025-12-17T03:33:52.452" v="1133" actId="1076"/>
+          <ac:picMkLst>
+            <pc:docMk/>
+            <pc:sldMk cId="1387216456" sldId="262"/>
+            <ac:picMk id="5" creationId="{F228CCCB-F5C5-D912-A3DA-B8A5408B156C}"/>
+          </ac:picMkLst>
+        </pc:picChg>
+        <pc:picChg chg="add del mod">
+          <ac:chgData name="Enrique Rodriguez T" userId="32b13e1ab8ff8e75" providerId="LiveId" clId="{CF940E53-9561-43CB-AECB-8308DFA64550}" dt="2025-12-17T03:30:11.520" v="1095" actId="478"/>
           <ac:picMkLst>
             <pc:docMk/>
             <pc:sldMk cId="1387216456" sldId="262"/>
             <ac:picMk id="7" creationId="{62968065-0AB7-065A-A936-D342E701E7B3}"/>
           </ac:picMkLst>
         </pc:picChg>
-        <pc:picChg chg="add del">
-          <ac:chgData name="Enrique Rodriguez T" userId="32b13e1ab8ff8e75" providerId="LiveId" clId="{CF940E53-9561-43CB-AECB-8308DFA64550}" dt="2025-12-02T04:40:02.297" v="299" actId="478"/>
+        <pc:picChg chg="add mod">
+          <ac:chgData name="Enrique Rodriguez T" userId="32b13e1ab8ff8e75" providerId="LiveId" clId="{CF940E53-9561-43CB-AECB-8308DFA64550}" dt="2025-12-17T03:33:02.218" v="1128" actId="1076"/>
           <ac:picMkLst>
             <pc:docMk/>
             <pc:sldMk cId="1387216456" sldId="262"/>
-            <ac:picMk id="9" creationId="{B5A3623C-7EAB-A269-5352-2CC296BAA9AB}"/>
+            <ac:picMk id="8" creationId="{B886804B-BF82-EC0D-B572-EB5B833F289D}"/>
           </ac:picMkLst>
         </pc:picChg>
-        <pc:cxnChg chg="add del mod">
-          <ac:chgData name="Enrique Rodriguez T" userId="32b13e1ab8ff8e75" providerId="LiveId" clId="{CF940E53-9561-43CB-AECB-8308DFA64550}" dt="2025-12-02T04:39:52.709" v="296" actId="478"/>
-          <ac:cxnSpMkLst>
+        <pc:picChg chg="add mod">
+          <ac:chgData name="Enrique Rodriguez T" userId="32b13e1ab8ff8e75" providerId="LiveId" clId="{CF940E53-9561-43CB-AECB-8308DFA64550}" dt="2025-12-17T03:33:34.990" v="1132" actId="1076"/>
+          <ac:picMkLst>
             <pc:docMk/>
             <pc:sldMk cId="1387216456" sldId="262"/>
-            <ac:cxnSpMk id="5" creationId="{F44E6A91-C33F-0C4F-8998-DC665FA1B6CF}"/>
-          </ac:cxnSpMkLst>
-        </pc:cxnChg>
+            <ac:picMk id="11" creationId="{F6D452CD-4657-8226-20C8-D4B040639894}"/>
+          </ac:picMkLst>
+        </pc:picChg>
       </pc:sldChg>
       <pc:sldChg chg="addSp modSp new mod setBg">
         <pc:chgData name="Enrique Rodriguez T" userId="32b13e1ab8ff8e75" providerId="LiveId" clId="{CF940E53-9561-43CB-AECB-8308DFA64550}" dt="2025-12-02T04:42:18.098" v="335" actId="1076"/>
@@ -813,7 +851,7 @@
         </pc:picChg>
       </pc:sldChg>
       <pc:sldChg chg="addSp delSp modSp new mod setBg modClrScheme chgLayout">
-        <pc:chgData name="Enrique Rodriguez T" userId="32b13e1ab8ff8e75" providerId="LiveId" clId="{CF940E53-9561-43CB-AECB-8308DFA64550}" dt="2025-12-02T04:39:01.721" v="285" actId="26606"/>
+        <pc:chgData name="Enrique Rodriguez T" userId="32b13e1ab8ff8e75" providerId="LiveId" clId="{CF940E53-9561-43CB-AECB-8308DFA64550}" dt="2025-12-17T03:12:24.678" v="372" actId="1076"/>
         <pc:sldMkLst>
           <pc:docMk/>
           <pc:sldMk cId="576697148" sldId="264"/>
@@ -826,12 +864,20 @@
             <ac:spMk id="2" creationId="{D43E700F-AF0B-4B4C-0160-6D72952C025C}"/>
           </ac:spMkLst>
         </pc:spChg>
-        <pc:spChg chg="del">
-          <ac:chgData name="Enrique Rodriguez T" userId="32b13e1ab8ff8e75" providerId="LiveId" clId="{CF940E53-9561-43CB-AECB-8308DFA64550}" dt="2025-12-02T04:37:47.471" v="278" actId="700"/>
+        <pc:spChg chg="add del mod">
+          <ac:chgData name="Enrique Rodriguez T" userId="32b13e1ab8ff8e75" providerId="LiveId" clId="{CF940E53-9561-43CB-AECB-8308DFA64550}" dt="2025-12-17T03:11:37.727" v="348"/>
           <ac:spMkLst>
             <pc:docMk/>
             <pc:sldMk cId="576697148" sldId="264"/>
-            <ac:spMk id="3" creationId="{2F4177E6-6883-12EF-2FE9-E9AFD88E2203}"/>
+            <ac:spMk id="8" creationId="{4A140EF0-B186-A3B7-B746-869E7A7467F9}"/>
+          </ac:spMkLst>
+        </pc:spChg>
+        <pc:spChg chg="add mod">
+          <ac:chgData name="Enrique Rodriguez T" userId="32b13e1ab8ff8e75" providerId="LiveId" clId="{CF940E53-9561-43CB-AECB-8308DFA64550}" dt="2025-12-17T03:12:24.678" v="372" actId="1076"/>
+          <ac:spMkLst>
+            <pc:docMk/>
+            <pc:sldMk cId="576697148" sldId="264"/>
+            <ac:spMk id="9" creationId="{75BE1C77-75F8-53E2-9867-9B08FC2DB819}"/>
           </ac:spMkLst>
         </pc:spChg>
         <pc:spChg chg="add">
@@ -874,12 +920,107 @@
             <ac:spMk id="18" creationId="{F8260ED5-17F7-4158-B241-D51DD4CF1B7E}"/>
           </ac:spMkLst>
         </pc:spChg>
-        <pc:picChg chg="add mod">
-          <ac:chgData name="Enrique Rodriguez T" userId="32b13e1ab8ff8e75" providerId="LiveId" clId="{CF940E53-9561-43CB-AECB-8308DFA64550}" dt="2025-12-02T04:39:01.721" v="285" actId="26606"/>
+        <pc:picChg chg="add del mod">
+          <ac:chgData name="Enrique Rodriguez T" userId="32b13e1ab8ff8e75" providerId="LiveId" clId="{CF940E53-9561-43CB-AECB-8308DFA64550}" dt="2025-12-17T03:08:21.895" v="341" actId="478"/>
+          <ac:picMkLst>
+            <pc:docMk/>
+            <pc:sldMk cId="576697148" sldId="264"/>
+            <ac:picMk id="4" creationId="{BDDBD9F4-A845-6D03-4AA6-1CBB7742B76E}"/>
+          </ac:picMkLst>
+        </pc:picChg>
+        <pc:picChg chg="add del mod">
+          <ac:chgData name="Enrique Rodriguez T" userId="32b13e1ab8ff8e75" providerId="LiveId" clId="{CF940E53-9561-43CB-AECB-8308DFA64550}" dt="2025-12-17T03:08:00.509" v="336" actId="478"/>
           <ac:picMkLst>
             <pc:docMk/>
             <pc:sldMk cId="576697148" sldId="264"/>
             <ac:picMk id="5" creationId="{A20CCE6C-25C4-3D06-E3EB-81539A2A9AE4}"/>
+          </ac:picMkLst>
+        </pc:picChg>
+        <pc:picChg chg="add mod">
+          <ac:chgData name="Enrique Rodriguez T" userId="32b13e1ab8ff8e75" providerId="LiveId" clId="{CF940E53-9561-43CB-AECB-8308DFA64550}" dt="2025-12-17T03:11:17.064" v="345" actId="1076"/>
+          <ac:picMkLst>
+            <pc:docMk/>
+            <pc:sldMk cId="576697148" sldId="264"/>
+            <ac:picMk id="7" creationId="{587EE32D-4795-434D-BCF3-98430ECC37D5}"/>
+          </ac:picMkLst>
+        </pc:picChg>
+      </pc:sldChg>
+      <pc:sldChg chg="addSp modSp add mod">
+        <pc:chgData name="Enrique Rodriguez T" userId="32b13e1ab8ff8e75" providerId="LiveId" clId="{CF940E53-9561-43CB-AECB-8308DFA64550}" dt="2025-12-17T03:34:15.622" v="1146" actId="1076"/>
+        <pc:sldMkLst>
+          <pc:docMk/>
+          <pc:sldMk cId="1298381907" sldId="265"/>
+        </pc:sldMkLst>
+        <pc:spChg chg="mod">
+          <ac:chgData name="Enrique Rodriguez T" userId="32b13e1ab8ff8e75" providerId="LiveId" clId="{CF940E53-9561-43CB-AECB-8308DFA64550}" dt="2025-12-17T03:24:56.742" v="866" actId="1076"/>
+          <ac:spMkLst>
+            <pc:docMk/>
+            <pc:sldMk cId="1298381907" sldId="265"/>
+            <ac:spMk id="2" creationId="{AC66EBB4-9EE3-1B5C-C7A8-DB2E10D2EDA5}"/>
+          </ac:spMkLst>
+        </pc:spChg>
+        <pc:spChg chg="add mod">
+          <ac:chgData name="Enrique Rodriguez T" userId="32b13e1ab8ff8e75" providerId="LiveId" clId="{CF940E53-9561-43CB-AECB-8308DFA64550}" dt="2025-12-17T03:34:15.622" v="1146" actId="1076"/>
+          <ac:spMkLst>
+            <pc:docMk/>
+            <pc:sldMk cId="1298381907" sldId="265"/>
+            <ac:spMk id="4" creationId="{4CEC293A-9831-3A62-AB62-C28F1270F0E9}"/>
+          </ac:spMkLst>
+        </pc:spChg>
+        <pc:spChg chg="add mod">
+          <ac:chgData name="Enrique Rodriguez T" userId="32b13e1ab8ff8e75" providerId="LiveId" clId="{CF940E53-9561-43CB-AECB-8308DFA64550}" dt="2025-12-17T03:26:23.211" v="984" actId="20577"/>
+          <ac:spMkLst>
+            <pc:docMk/>
+            <pc:sldMk cId="1298381907" sldId="265"/>
+            <ac:spMk id="8" creationId="{3F8D4F82-A67D-CBD4-9420-7A04B2162BD2}"/>
+          </ac:spMkLst>
+        </pc:spChg>
+        <pc:spChg chg="add mod">
+          <ac:chgData name="Enrique Rodriguez T" userId="32b13e1ab8ff8e75" providerId="LiveId" clId="{CF940E53-9561-43CB-AECB-8308DFA64550}" dt="2025-12-17T03:27:25.405" v="1071" actId="20577"/>
+          <ac:spMkLst>
+            <pc:docMk/>
+            <pc:sldMk cId="1298381907" sldId="265"/>
+            <ac:spMk id="10" creationId="{5374CC09-3DFC-3E05-4DCD-5F1B78A39408}"/>
+          </ac:spMkLst>
+        </pc:spChg>
+        <pc:spChg chg="add mod">
+          <ac:chgData name="Enrique Rodriguez T" userId="32b13e1ab8ff8e75" providerId="LiveId" clId="{CF940E53-9561-43CB-AECB-8308DFA64550}" dt="2025-12-17T03:27:51.794" v="1077" actId="14100"/>
+          <ac:spMkLst>
+            <pc:docMk/>
+            <pc:sldMk cId="1298381907" sldId="265"/>
+            <ac:spMk id="11" creationId="{9B8FED28-F44A-D729-0270-993081B72059}"/>
+          </ac:spMkLst>
+        </pc:spChg>
+        <pc:picChg chg="mod">
+          <ac:chgData name="Enrique Rodriguez T" userId="32b13e1ab8ff8e75" providerId="LiveId" clId="{CF940E53-9561-43CB-AECB-8308DFA64550}" dt="2025-12-17T03:25:43.739" v="917" actId="1076"/>
+          <ac:picMkLst>
+            <pc:docMk/>
+            <pc:sldMk cId="1298381907" sldId="265"/>
+            <ac:picMk id="5" creationId="{073BCF17-E02F-A113-1764-75E133950B93}"/>
+          </ac:picMkLst>
+        </pc:picChg>
+        <pc:picChg chg="add mod">
+          <ac:chgData name="Enrique Rodriguez T" userId="32b13e1ab8ff8e75" providerId="LiveId" clId="{CF940E53-9561-43CB-AECB-8308DFA64550}" dt="2025-12-17T03:34:10.435" v="1144" actId="1076"/>
+          <ac:picMkLst>
+            <pc:docMk/>
+            <pc:sldMk cId="1298381907" sldId="265"/>
+            <ac:picMk id="6" creationId="{78A40425-8F32-A5A2-0783-93291E3BDB72}"/>
+          </ac:picMkLst>
+        </pc:picChg>
+        <pc:picChg chg="mod">
+          <ac:chgData name="Enrique Rodriguez T" userId="32b13e1ab8ff8e75" providerId="LiveId" clId="{CF940E53-9561-43CB-AECB-8308DFA64550}" dt="2025-12-17T03:25:44.988" v="918" actId="1076"/>
+          <ac:picMkLst>
+            <pc:docMk/>
+            <pc:sldMk cId="1298381907" sldId="265"/>
+            <ac:picMk id="7" creationId="{091BD159-E092-4280-3F5E-354A649FD437}"/>
+          </ac:picMkLst>
+        </pc:picChg>
+        <pc:picChg chg="mod">
+          <ac:chgData name="Enrique Rodriguez T" userId="32b13e1ab8ff8e75" providerId="LiveId" clId="{CF940E53-9561-43CB-AECB-8308DFA64550}" dt="2025-12-17T03:26:37.244" v="990" actId="1076"/>
+          <ac:picMkLst>
+            <pc:docMk/>
+            <pc:sldMk cId="1298381907" sldId="265"/>
+            <ac:picMk id="9" creationId="{3728241B-6E6F-2816-83BE-223DF0D59FC6}"/>
           </ac:picMkLst>
         </pc:picChg>
       </pc:sldChg>
@@ -1035,7 +1176,7 @@
           <a:p>
             <a:fld id="{2B07F081-A0B9-4FB4-AC55-55D2B2002E7C}" type="datetimeFigureOut">
               <a:rPr lang="en-US" smtClean="0"/>
-              <a:t>01-Dec-25</a:t>
+              <a:t>16-Dec-25</a:t>
             </a:fld>
             <a:endParaRPr lang="en-US"/>
           </a:p>
@@ -1233,7 +1374,7 @@
           <a:p>
             <a:fld id="{2B07F081-A0B9-4FB4-AC55-55D2B2002E7C}" type="datetimeFigureOut">
               <a:rPr lang="en-US" smtClean="0"/>
-              <a:t>01-Dec-25</a:t>
+              <a:t>16-Dec-25</a:t>
             </a:fld>
             <a:endParaRPr lang="en-US"/>
           </a:p>
@@ -1441,7 +1582,7 @@
           <a:p>
             <a:fld id="{2B07F081-A0B9-4FB4-AC55-55D2B2002E7C}" type="datetimeFigureOut">
               <a:rPr lang="en-US" smtClean="0"/>
-              <a:t>01-Dec-25</a:t>
+              <a:t>16-Dec-25</a:t>
             </a:fld>
             <a:endParaRPr lang="en-US"/>
           </a:p>
@@ -1639,7 +1780,7 @@
           <a:p>
             <a:fld id="{2B07F081-A0B9-4FB4-AC55-55D2B2002E7C}" type="datetimeFigureOut">
               <a:rPr lang="en-US" smtClean="0"/>
-              <a:t>01-Dec-25</a:t>
+              <a:t>16-Dec-25</a:t>
             </a:fld>
             <a:endParaRPr lang="en-US"/>
           </a:p>
@@ -1914,7 +2055,7 @@
           <a:p>
             <a:fld id="{2B07F081-A0B9-4FB4-AC55-55D2B2002E7C}" type="datetimeFigureOut">
               <a:rPr lang="en-US" smtClean="0"/>
-              <a:t>01-Dec-25</a:t>
+              <a:t>16-Dec-25</a:t>
             </a:fld>
             <a:endParaRPr lang="en-US"/>
           </a:p>
@@ -2179,7 +2320,7 @@
           <a:p>
             <a:fld id="{2B07F081-A0B9-4FB4-AC55-55D2B2002E7C}" type="datetimeFigureOut">
               <a:rPr lang="en-US" smtClean="0"/>
-              <a:t>01-Dec-25</a:t>
+              <a:t>16-Dec-25</a:t>
             </a:fld>
             <a:endParaRPr lang="en-US"/>
           </a:p>
@@ -2591,7 +2732,7 @@
           <a:p>
             <a:fld id="{2B07F081-A0B9-4FB4-AC55-55D2B2002E7C}" type="datetimeFigureOut">
               <a:rPr lang="en-US" smtClean="0"/>
-              <a:t>01-Dec-25</a:t>
+              <a:t>16-Dec-25</a:t>
             </a:fld>
             <a:endParaRPr lang="en-US"/>
           </a:p>
@@ -2732,7 +2873,7 @@
           <a:p>
             <a:fld id="{2B07F081-A0B9-4FB4-AC55-55D2B2002E7C}" type="datetimeFigureOut">
               <a:rPr lang="en-US" smtClean="0"/>
-              <a:t>01-Dec-25</a:t>
+              <a:t>16-Dec-25</a:t>
             </a:fld>
             <a:endParaRPr lang="en-US"/>
           </a:p>
@@ -2845,7 +2986,7 @@
           <a:p>
             <a:fld id="{2B07F081-A0B9-4FB4-AC55-55D2B2002E7C}" type="datetimeFigureOut">
               <a:rPr lang="en-US" smtClean="0"/>
-              <a:t>01-Dec-25</a:t>
+              <a:t>16-Dec-25</a:t>
             </a:fld>
             <a:endParaRPr lang="en-US"/>
           </a:p>
@@ -3156,7 +3297,7 @@
           <a:p>
             <a:fld id="{2B07F081-A0B9-4FB4-AC55-55D2B2002E7C}" type="datetimeFigureOut">
               <a:rPr lang="en-US" smtClean="0"/>
-              <a:t>01-Dec-25</a:t>
+              <a:t>16-Dec-25</a:t>
             </a:fld>
             <a:endParaRPr lang="en-US"/>
           </a:p>
@@ -3444,7 +3585,7 @@
           <a:p>
             <a:fld id="{2B07F081-A0B9-4FB4-AC55-55D2B2002E7C}" type="datetimeFigureOut">
               <a:rPr lang="en-US" smtClean="0"/>
-              <a:t>01-Dec-25</a:t>
+              <a:t>16-Dec-25</a:t>
             </a:fld>
             <a:endParaRPr lang="en-US"/>
           </a:p>
@@ -3685,7 +3826,7 @@
           <a:p>
             <a:fld id="{2B07F081-A0B9-4FB4-AC55-55D2B2002E7C}" type="datetimeFigureOut">
               <a:rPr lang="en-US" smtClean="0"/>
-              <a:t>01-Dec-25</a:t>
+              <a:t>16-Dec-25</a:t>
             </a:fld>
             <a:endParaRPr lang="en-US"/>
           </a:p>
@@ -4972,6 +5113,419 @@
 </p:sld>
 </file>
 
+<file path=ppt/slides/slide10.xml><?xml version="1.0" encoding="utf-8"?>
+<p:sld xmlns:a="http://schemas.openxmlformats.org/drawingml/2006/main" xmlns:r="http://schemas.openxmlformats.org/officeDocument/2006/relationships" xmlns:p="http://schemas.openxmlformats.org/presentationml/2006/main">
+  <p:cSld>
+    <p:bg>
+      <p:bgPr>
+        <a:solidFill>
+          <a:schemeClr val="bg1"/>
+        </a:solidFill>
+        <a:effectLst/>
+      </p:bgPr>
+    </p:bg>
+    <p:spTree>
+      <p:nvGrpSpPr>
+        <p:cNvPr id="1" name=""/>
+        <p:cNvGrpSpPr/>
+        <p:nvPr/>
+      </p:nvGrpSpPr>
+      <p:grpSpPr>
+        <a:xfrm>
+          <a:off x="0" y="0"/>
+          <a:ext cx="0" cy="0"/>
+          <a:chOff x="0" y="0"/>
+          <a:chExt cx="0" cy="0"/>
+        </a:xfrm>
+      </p:grpSpPr>
+      <p:sp useBgFill="1">
+        <p:nvSpPr>
+          <p:cNvPr id="9" name="Rectangle 8">
+            <a:extLst>
+              <a:ext uri="{FF2B5EF4-FFF2-40B4-BE49-F238E27FC236}">
+                <a16:creationId xmlns:a16="http://schemas.microsoft.com/office/drawing/2014/main" id="{A8384FB5-9ADC-4DDC-881B-597D56F5B15D}"/>
+              </a:ext>
+              <a:ext uri="{C183D7F6-B498-43B3-948B-1728B52AA6E4}">
+                <adec:decorative xmlns:adec="http://schemas.microsoft.com/office/drawing/2017/decorative" val="1"/>
+              </a:ext>
+            </a:extLst>
+          </p:cNvPr>
+          <p:cNvSpPr>
+            <a:spLocks noGrp="1" noRot="1" noChangeAspect="1" noMove="1" noResize="1" noEditPoints="1" noAdjustHandles="1" noChangeArrowheads="1" noChangeShapeType="1" noTextEdit="1"/>
+          </p:cNvSpPr>
+          <p:nvPr>
+            <p:extLst>
+              <p:ext uri="{386F3935-93C4-4BCD-93E2-E3B085C9AB24}">
+                <p16:designElem xmlns:p16="http://schemas.microsoft.com/office/powerpoint/2015/main" val="1"/>
+              </p:ext>
+            </p:extLst>
+          </p:nvPr>
+        </p:nvSpPr>
+        <p:spPr>
+          <a:xfrm>
+            <a:off x="0" y="0"/>
+            <a:ext cx="12192000" cy="6858000"/>
+          </a:xfrm>
+          <a:prstGeom prst="rect">
+            <a:avLst/>
+          </a:prstGeom>
+          <a:ln w="12700" cap="flat" cmpd="sng" algn="ctr">
+            <a:noFill/>
+            <a:prstDash val="solid"/>
+            <a:miter lim="800000"/>
+          </a:ln>
+          <a:effectLst/>
+          <a:extLst>
+            <a:ext uri="{91240B29-F687-4F45-9708-019B960494DF}">
+              <a14:hiddenLine xmlns:a14="http://schemas.microsoft.com/office/drawing/2010/main" w="12700" cap="flat" cmpd="sng" algn="ctr">
+                <a:solidFill>
+                  <a:schemeClr val="accent1">
+                    <a:shade val="50000"/>
+                  </a:schemeClr>
+                </a:solidFill>
+                <a:prstDash val="solid"/>
+                <a:miter lim="800000"/>
+              </a14:hiddenLine>
+            </a:ext>
+          </a:extLst>
+        </p:spPr>
+        <p:style>
+          <a:lnRef idx="2">
+            <a:schemeClr val="accent1">
+              <a:shade val="50000"/>
+            </a:schemeClr>
+          </a:lnRef>
+          <a:fillRef idx="1">
+            <a:schemeClr val="accent1"/>
+          </a:fillRef>
+          <a:effectRef idx="0">
+            <a:schemeClr val="accent1"/>
+          </a:effectRef>
+          <a:fontRef idx="minor">
+            <a:schemeClr val="lt1"/>
+          </a:fontRef>
+        </p:style>
+        <p:txBody>
+          <a:bodyPr rtlCol="0" anchor="ctr"/>
+          <a:lstStyle/>
+          <a:p>
+            <a:pPr algn="ctr"/>
+            <a:endParaRPr lang="en-US"/>
+          </a:p>
+        </p:txBody>
+      </p:sp>
+      <p:sp>
+        <p:nvSpPr>
+          <p:cNvPr id="11" name="Rectangle 10">
+            <a:extLst>
+              <a:ext uri="{FF2B5EF4-FFF2-40B4-BE49-F238E27FC236}">
+                <a16:creationId xmlns:a16="http://schemas.microsoft.com/office/drawing/2014/main" id="{1199E1B1-A8C0-4FE8-A5A8-1CB41D69F857}"/>
+              </a:ext>
+              <a:ext uri="{C183D7F6-B498-43B3-948B-1728B52AA6E4}">
+                <adec:decorative xmlns:adec="http://schemas.microsoft.com/office/drawing/2017/decorative" val="1"/>
+              </a:ext>
+            </a:extLst>
+          </p:cNvPr>
+          <p:cNvSpPr>
+            <a:spLocks noGrp="1" noRot="1" noChangeAspect="1" noMove="1" noResize="1" noEditPoints="1" noAdjustHandles="1" noChangeArrowheads="1" noChangeShapeType="1" noTextEdit="1"/>
+          </p:cNvSpPr>
+          <p:nvPr>
+            <p:extLst>
+              <p:ext uri="{386F3935-93C4-4BCD-93E2-E3B085C9AB24}">
+                <p16:designElem xmlns:p16="http://schemas.microsoft.com/office/powerpoint/2015/main" val="1"/>
+              </p:ext>
+            </p:extLst>
+          </p:nvPr>
+        </p:nvSpPr>
+        <p:spPr>
+          <a:xfrm rot="10800000" flipH="1">
+            <a:off x="2" y="0"/>
+            <a:ext cx="12191998" cy="1575955"/>
+          </a:xfrm>
+          <a:prstGeom prst="rect">
+            <a:avLst/>
+          </a:prstGeom>
+          <a:gradFill>
+            <a:gsLst>
+              <a:gs pos="0">
+                <a:srgbClr val="000000">
+                  <a:alpha val="96000"/>
+                </a:srgbClr>
+              </a:gs>
+              <a:gs pos="100000">
+                <a:schemeClr val="accent1">
+                  <a:lumMod val="75000"/>
+                </a:schemeClr>
+              </a:gs>
+            </a:gsLst>
+            <a:lin ang="6000000" scaled="0"/>
+          </a:gradFill>
+          <a:ln>
+            <a:noFill/>
+          </a:ln>
+        </p:spPr>
+        <p:style>
+          <a:lnRef idx="2">
+            <a:schemeClr val="accent1">
+              <a:shade val="50000"/>
+            </a:schemeClr>
+          </a:lnRef>
+          <a:fillRef idx="1">
+            <a:schemeClr val="accent1"/>
+          </a:fillRef>
+          <a:effectRef idx="0">
+            <a:schemeClr val="accent1"/>
+          </a:effectRef>
+          <a:fontRef idx="minor">
+            <a:schemeClr val="lt1"/>
+          </a:fontRef>
+        </p:style>
+        <p:txBody>
+          <a:bodyPr rtlCol="0" anchor="ctr"/>
+          <a:lstStyle/>
+          <a:p>
+            <a:pPr algn="ctr"/>
+            <a:endParaRPr lang="en-US"/>
+          </a:p>
+        </p:txBody>
+      </p:sp>
+      <p:sp>
+        <p:nvSpPr>
+          <p:cNvPr id="13" name="Rectangle 12">
+            <a:extLst>
+              <a:ext uri="{FF2B5EF4-FFF2-40B4-BE49-F238E27FC236}">
+                <a16:creationId xmlns:a16="http://schemas.microsoft.com/office/drawing/2014/main" id="{84A8DE83-DE75-4B41-9DB4-A7EC0B0DEC0B}"/>
+              </a:ext>
+              <a:ext uri="{C183D7F6-B498-43B3-948B-1728B52AA6E4}">
+                <adec:decorative xmlns:adec="http://schemas.microsoft.com/office/drawing/2017/decorative" val="1"/>
+              </a:ext>
+            </a:extLst>
+          </p:cNvPr>
+          <p:cNvSpPr>
+            <a:spLocks noGrp="1" noRot="1" noChangeAspect="1" noMove="1" noResize="1" noEditPoints="1" noAdjustHandles="1" noChangeArrowheads="1" noChangeShapeType="1" noTextEdit="1"/>
+          </p:cNvSpPr>
+          <p:nvPr>
+            <p:extLst>
+              <p:ext uri="{386F3935-93C4-4BCD-93E2-E3B085C9AB24}">
+                <p16:designElem xmlns:p16="http://schemas.microsoft.com/office/powerpoint/2015/main" val="1"/>
+              </p:ext>
+            </p:extLst>
+          </p:nvPr>
+        </p:nvSpPr>
+        <p:spPr>
+          <a:xfrm>
+            <a:off x="0" y="0"/>
+            <a:ext cx="8128856" cy="1575461"/>
+          </a:xfrm>
+          <a:prstGeom prst="rect">
+            <a:avLst/>
+          </a:prstGeom>
+          <a:gradFill>
+            <a:gsLst>
+              <a:gs pos="0">
+                <a:schemeClr val="accent1">
+                  <a:alpha val="41000"/>
+                </a:schemeClr>
+              </a:gs>
+              <a:gs pos="74000">
+                <a:schemeClr val="accent1">
+                  <a:lumMod val="60000"/>
+                  <a:lumOff val="40000"/>
+                  <a:alpha val="0"/>
+                </a:schemeClr>
+              </a:gs>
+            </a:gsLst>
+            <a:lin ang="8400000" scaled="0"/>
+          </a:gradFill>
+          <a:ln>
+            <a:noFill/>
+          </a:ln>
+        </p:spPr>
+        <p:style>
+          <a:lnRef idx="2">
+            <a:schemeClr val="accent1">
+              <a:shade val="50000"/>
+            </a:schemeClr>
+          </a:lnRef>
+          <a:fillRef idx="1">
+            <a:schemeClr val="accent1"/>
+          </a:fillRef>
+          <a:effectRef idx="0">
+            <a:schemeClr val="accent1"/>
+          </a:effectRef>
+          <a:fontRef idx="minor">
+            <a:schemeClr val="lt1"/>
+          </a:fontRef>
+        </p:style>
+        <p:txBody>
+          <a:bodyPr rtlCol="0" anchor="ctr"/>
+          <a:lstStyle/>
+          <a:p>
+            <a:pPr algn="ctr"/>
+            <a:endParaRPr lang="en-US"/>
+          </a:p>
+        </p:txBody>
+      </p:sp>
+      <p:sp>
+        <p:nvSpPr>
+          <p:cNvPr id="15" name="Rectangle 14">
+            <a:extLst>
+              <a:ext uri="{FF2B5EF4-FFF2-40B4-BE49-F238E27FC236}">
+                <a16:creationId xmlns:a16="http://schemas.microsoft.com/office/drawing/2014/main" id="{A7009A0A-BEF5-4EAC-AF15-E4F9F002E239}"/>
+              </a:ext>
+              <a:ext uri="{C183D7F6-B498-43B3-948B-1728B52AA6E4}">
+                <adec:decorative xmlns:adec="http://schemas.microsoft.com/office/drawing/2017/decorative" val="1"/>
+              </a:ext>
+            </a:extLst>
+          </p:cNvPr>
+          <p:cNvSpPr>
+            <a:spLocks noGrp="1" noRot="1" noChangeAspect="1" noMove="1" noResize="1" noEditPoints="1" noAdjustHandles="1" noChangeArrowheads="1" noChangeShapeType="1" noTextEdit="1"/>
+          </p:cNvSpPr>
+          <p:nvPr>
+            <p:extLst>
+              <p:ext uri="{386F3935-93C4-4BCD-93E2-E3B085C9AB24}">
+                <p16:designElem xmlns:p16="http://schemas.microsoft.com/office/powerpoint/2015/main" val="1"/>
+              </p:ext>
+            </p:extLst>
+          </p:nvPr>
+        </p:nvSpPr>
+        <p:spPr>
+          <a:xfrm flipH="1">
+            <a:off x="-3" y="-1"/>
+            <a:ext cx="12192002" cy="1574311"/>
+          </a:xfrm>
+          <a:prstGeom prst="rect">
+            <a:avLst/>
+          </a:prstGeom>
+          <a:gradFill>
+            <a:gsLst>
+              <a:gs pos="0">
+                <a:srgbClr val="000000">
+                  <a:alpha val="63000"/>
+                </a:srgbClr>
+              </a:gs>
+              <a:gs pos="78000">
+                <a:schemeClr val="accent1">
+                  <a:alpha val="15000"/>
+                </a:schemeClr>
+              </a:gs>
+            </a:gsLst>
+            <a:lin ang="15600000" scaled="0"/>
+          </a:gradFill>
+          <a:ln>
+            <a:noFill/>
+          </a:ln>
+        </p:spPr>
+        <p:style>
+          <a:lnRef idx="2">
+            <a:schemeClr val="accent1">
+              <a:shade val="50000"/>
+            </a:schemeClr>
+          </a:lnRef>
+          <a:fillRef idx="1">
+            <a:schemeClr val="accent1"/>
+          </a:fillRef>
+          <a:effectRef idx="0">
+            <a:schemeClr val="accent1"/>
+          </a:effectRef>
+          <a:fontRef idx="minor">
+            <a:schemeClr val="lt1"/>
+          </a:fontRef>
+        </p:style>
+        <p:txBody>
+          <a:bodyPr rtlCol="0" anchor="ctr"/>
+          <a:lstStyle/>
+          <a:p>
+            <a:pPr algn="ctr"/>
+            <a:endParaRPr lang="en-US"/>
+          </a:p>
+        </p:txBody>
+      </p:sp>
+      <p:sp>
+        <p:nvSpPr>
+          <p:cNvPr id="2" name="Title 1">
+            <a:extLst>
+              <a:ext uri="{FF2B5EF4-FFF2-40B4-BE49-F238E27FC236}">
+                <a16:creationId xmlns:a16="http://schemas.microsoft.com/office/drawing/2014/main" id="{1BBE05CF-865F-E0CB-B85E-F831256EB7EC}"/>
+              </a:ext>
+            </a:extLst>
+          </p:cNvPr>
+          <p:cNvSpPr>
+            <a:spLocks noGrp="1"/>
+          </p:cNvSpPr>
+          <p:nvPr>
+            <p:ph type="title"/>
+          </p:nvPr>
+        </p:nvSpPr>
+        <p:spPr>
+          <a:xfrm>
+            <a:off x="699713" y="248038"/>
+            <a:ext cx="7063721" cy="1159200"/>
+          </a:xfrm>
+        </p:spPr>
+        <p:txBody>
+          <a:bodyPr vert="horz" lIns="91440" tIns="45720" rIns="91440" bIns="45720" rtlCol="0" anchor="ctr">
+            <a:normAutofit/>
+          </a:bodyPr>
+          <a:lstStyle/>
+          <a:p>
+            <a:r>
+              <a:rPr lang="en-US" sz="4000" kern="1200">
+                <a:solidFill>
+                  <a:srgbClr val="FFFFFF"/>
+                </a:solidFill>
+                <a:latin typeface="+mj-lt"/>
+                <a:ea typeface="+mj-ea"/>
+                <a:cs typeface="+mj-cs"/>
+              </a:rPr>
+              <a:t>Airflow DAG execution</a:t>
+            </a:r>
+          </a:p>
+        </p:txBody>
+      </p:sp>
+      <p:pic>
+        <p:nvPicPr>
+          <p:cNvPr id="4" name="Picture 3">
+            <a:extLst>
+              <a:ext uri="{FF2B5EF4-FFF2-40B4-BE49-F238E27FC236}">
+                <a16:creationId xmlns:a16="http://schemas.microsoft.com/office/drawing/2014/main" id="{F578B035-D8B0-821F-ACF8-C2E7E1EF469E}"/>
+              </a:ext>
+            </a:extLst>
+          </p:cNvPr>
+          <p:cNvPicPr>
+            <a:picLocks noChangeAspect="1"/>
+          </p:cNvPicPr>
+          <p:nvPr/>
+        </p:nvPicPr>
+        <p:blipFill>
+          <a:blip r:embed="rId2"/>
+          <a:stretch>
+            <a:fillRect/>
+          </a:stretch>
+        </p:blipFill>
+        <p:spPr>
+          <a:xfrm>
+            <a:off x="1048403" y="1614217"/>
+            <a:ext cx="10510555" cy="5202724"/>
+          </a:xfrm>
+          <a:prstGeom prst="rect">
+            <a:avLst/>
+          </a:prstGeom>
+        </p:spPr>
+      </p:pic>
+    </p:spTree>
+    <p:extLst>
+      <p:ext uri="{BB962C8B-B14F-4D97-AF65-F5344CB8AC3E}">
+        <p14:creationId xmlns:p14="http://schemas.microsoft.com/office/powerpoint/2010/main" val="3896423487"/>
+      </p:ext>
+    </p:extLst>
+  </p:cSld>
+  <p:clrMapOvr>
+    <a:masterClrMapping/>
+  </p:clrMapOvr>
+</p:sld>
+</file>
+
 <file path=ppt/slides/slide2.xml><?xml version="1.0" encoding="utf-8"?>
 <p:sld xmlns:a="http://schemas.openxmlformats.org/drawingml/2006/main" xmlns:r="http://schemas.openxmlformats.org/officeDocument/2006/relationships" xmlns:p="http://schemas.openxmlformats.org/presentationml/2006/main">
   <p:cSld>
@@ -5514,10 +6068,10 @@
       </p:sp>
       <p:pic>
         <p:nvPicPr>
-          <p:cNvPr id="5" name="Picture 4">
-            <a:extLst>
-              <a:ext uri="{FF2B5EF4-FFF2-40B4-BE49-F238E27FC236}">
-                <a16:creationId xmlns:a16="http://schemas.microsoft.com/office/drawing/2014/main" id="{A20CCE6C-25C4-3D06-E3EB-81539A2A9AE4}"/>
+          <p:cNvPr id="7" name="Picture 6" descr="A diagram of a computer&#10;&#10;AI-generated content may be incorrect.">
+            <a:extLst>
+              <a:ext uri="{FF2B5EF4-FFF2-40B4-BE49-F238E27FC236}">
+                <a16:creationId xmlns:a16="http://schemas.microsoft.com/office/drawing/2014/main" id="{587EE32D-4795-434D-BCF3-98430ECC37D5}"/>
               </a:ext>
             </a:extLst>
           </p:cNvPr>
@@ -5534,14 +6088,62 @@
         </p:blipFill>
         <p:spPr>
           <a:xfrm>
-            <a:off x="4502428" y="1098696"/>
-            <a:ext cx="7225748" cy="4660607"/>
+            <a:off x="4728236" y="1132537"/>
+            <a:ext cx="6639852" cy="4610743"/>
           </a:xfrm>
           <a:prstGeom prst="rect">
             <a:avLst/>
           </a:prstGeom>
         </p:spPr>
       </p:pic>
+      <p:sp>
+        <p:nvSpPr>
+          <p:cNvPr id="9" name="TextBox 8">
+            <a:extLst>
+              <a:ext uri="{FF2B5EF4-FFF2-40B4-BE49-F238E27FC236}">
+                <a16:creationId xmlns:a16="http://schemas.microsoft.com/office/drawing/2014/main" id="{75BE1C77-75F8-53E2-9867-9B08FC2DB819}"/>
+              </a:ext>
+            </a:extLst>
+          </p:cNvPr>
+          <p:cNvSpPr txBox="1"/>
+          <p:nvPr/>
+        </p:nvSpPr>
+        <p:spPr>
+          <a:xfrm>
+            <a:off x="5959012" y="478712"/>
+            <a:ext cx="4765985" cy="369332"/>
+          </a:xfrm>
+          <a:prstGeom prst="rect">
+            <a:avLst/>
+          </a:prstGeom>
+          <a:noFill/>
+        </p:spPr>
+        <p:txBody>
+          <a:bodyPr wrap="none" rtlCol="0">
+            <a:spAutoFit/>
+          </a:bodyPr>
+          <a:lstStyle/>
+          <a:p>
+            <a:r>
+              <a:rPr lang="en-US" dirty="0"/>
+              <a:t>\</a:t>
+            </a:r>
+            <a:r>
+              <a:rPr lang="en-US" dirty="0" err="1"/>
+              <a:t>ProyectoFinal_BigData</a:t>
+            </a:r>
+            <a:r>
+              <a:rPr lang="en-US" dirty="0"/>
+              <a:t>\data\</a:t>
+            </a:r>
+            <a:r>
+              <a:rPr lang="en-US" dirty="0" err="1"/>
+              <a:t>dbc_diagram.dio</a:t>
+            </a:r>
+            <a:endParaRPr lang="en-US" dirty="0"/>
+          </a:p>
+        </p:txBody>
+      </p:sp>
     </p:spTree>
     <p:extLst>
       <p:ext uri="{BB962C8B-B14F-4D97-AF65-F5344CB8AC3E}">
@@ -6680,10 +7282,10 @@
       </p:sp>
       <p:pic>
         <p:nvPicPr>
-          <p:cNvPr id="4" name="Picture 3">
-            <a:extLst>
-              <a:ext uri="{FF2B5EF4-FFF2-40B4-BE49-F238E27FC236}">
-                <a16:creationId xmlns:a16="http://schemas.microsoft.com/office/drawing/2014/main" id="{031D9BEF-BA64-615F-A1F4-AE4434B85F9D}"/>
+          <p:cNvPr id="5" name="Picture 4" descr="A screenshot of a computer screen&#10;&#10;AI-generated content may be incorrect.">
+            <a:extLst>
+              <a:ext uri="{FF2B5EF4-FFF2-40B4-BE49-F238E27FC236}">
+                <a16:creationId xmlns:a16="http://schemas.microsoft.com/office/drawing/2014/main" id="{CFC175DA-5B14-B2B1-9C7F-7977B297ACBC}"/>
               </a:ext>
             </a:extLst>
           </p:cNvPr>
@@ -6700,14 +7302,90 @@
         </p:blipFill>
         <p:spPr>
           <a:xfrm>
-            <a:off x="4502428" y="1523209"/>
-            <a:ext cx="7225748" cy="3811582"/>
+            <a:off x="3995946" y="1546936"/>
+            <a:ext cx="8104431" cy="3264842"/>
           </a:xfrm>
           <a:prstGeom prst="rect">
             <a:avLst/>
           </a:prstGeom>
         </p:spPr>
       </p:pic>
+      <p:sp>
+        <p:nvSpPr>
+          <p:cNvPr id="6" name="TextBox 5">
+            <a:extLst>
+              <a:ext uri="{FF2B5EF4-FFF2-40B4-BE49-F238E27FC236}">
+                <a16:creationId xmlns:a16="http://schemas.microsoft.com/office/drawing/2014/main" id="{76194709-DB37-350A-87F8-A59765F9E6EC}"/>
+              </a:ext>
+            </a:extLst>
+          </p:cNvPr>
+          <p:cNvSpPr txBox="1"/>
+          <p:nvPr/>
+        </p:nvSpPr>
+        <p:spPr>
+          <a:xfrm>
+            <a:off x="4601043" y="173304"/>
+            <a:ext cx="6318846" cy="1200329"/>
+          </a:xfrm>
+          <a:prstGeom prst="rect">
+            <a:avLst/>
+          </a:prstGeom>
+          <a:noFill/>
+        </p:spPr>
+        <p:txBody>
+          <a:bodyPr wrap="none" rtlCol="0">
+            <a:spAutoFit/>
+          </a:bodyPr>
+          <a:lstStyle/>
+          <a:p>
+            <a:r>
+              <a:rPr lang="en-US" dirty="0" err="1"/>
+              <a:t>ProyectoFinal_BigData</a:t>
+            </a:r>
+            <a:r>
+              <a:rPr lang="en-US" dirty="0"/>
+              <a:t>\docker\</a:t>
+            </a:r>
+            <a:r>
+              <a:rPr lang="en-US" dirty="0" err="1"/>
+              <a:t>Dockerfile</a:t>
+            </a:r>
+            <a:endParaRPr lang="en-US" dirty="0"/>
+          </a:p>
+          <a:p>
+            <a:endParaRPr lang="en-US" dirty="0"/>
+          </a:p>
+          <a:p>
+            <a:r>
+              <a:rPr lang="en-US" dirty="0"/>
+              <a:t>To start Docker go to folder “</a:t>
+            </a:r>
+            <a:r>
+              <a:rPr lang="en-US" dirty="0" err="1"/>
+              <a:t>ProyectoFinal_BigData</a:t>
+            </a:r>
+            <a:r>
+              <a:rPr lang="en-US" dirty="0"/>
+              <a:t>” and  run:</a:t>
+            </a:r>
+            <a:br>
+              <a:rPr lang="en-US" dirty="0"/>
+            </a:br>
+            <a:r>
+              <a:rPr lang="en-US" dirty="0"/>
+              <a:t>docker compose -f docker/docker-</a:t>
+            </a:r>
+            <a:r>
+              <a:rPr lang="en-US" dirty="0" err="1"/>
+              <a:t>compose.yaml</a:t>
+            </a:r>
+            <a:r>
+              <a:rPr lang="en-US" dirty="0"/>
+              <a:t> up --build </a:t>
+            </a:r>
+          </a:p>
+        </p:txBody>
+      </p:sp>
     </p:spTree>
     <p:extLst>
       <p:ext uri="{BB962C8B-B14F-4D97-AF65-F5344CB8AC3E}">
@@ -7121,6 +7799,92 @@
           </a:prstGeom>
         </p:spPr>
       </p:pic>
+      <p:sp>
+        <p:nvSpPr>
+          <p:cNvPr id="3" name="TextBox 2">
+            <a:extLst>
+              <a:ext uri="{FF2B5EF4-FFF2-40B4-BE49-F238E27FC236}">
+                <a16:creationId xmlns:a16="http://schemas.microsoft.com/office/drawing/2014/main" id="{6F73E824-2EE5-D225-B037-B6A3D8DD8B3D}"/>
+              </a:ext>
+            </a:extLst>
+          </p:cNvPr>
+          <p:cNvSpPr txBox="1"/>
+          <p:nvPr/>
+        </p:nvSpPr>
+        <p:spPr>
+          <a:xfrm>
+            <a:off x="5669144" y="248038"/>
+            <a:ext cx="6222986" cy="646331"/>
+          </a:xfrm>
+          <a:prstGeom prst="rect">
+            <a:avLst/>
+          </a:prstGeom>
+          <a:noFill/>
+        </p:spPr>
+        <p:txBody>
+          <a:bodyPr wrap="none" rtlCol="0">
+            <a:spAutoFit/>
+          </a:bodyPr>
+          <a:lstStyle/>
+          <a:p>
+            <a:r>
+              <a:rPr lang="en-US" dirty="0">
+                <a:solidFill>
+                  <a:schemeClr val="bg1"/>
+                </a:solidFill>
+              </a:rPr>
+              <a:t>To start Docker go to folder “</a:t>
+            </a:r>
+            <a:r>
+              <a:rPr lang="en-US" dirty="0" err="1">
+                <a:solidFill>
+                  <a:schemeClr val="bg1"/>
+                </a:solidFill>
+              </a:rPr>
+              <a:t>ProyectoFinal_BigData</a:t>
+            </a:r>
+            <a:r>
+              <a:rPr lang="en-US" dirty="0">
+                <a:solidFill>
+                  <a:schemeClr val="bg1"/>
+                </a:solidFill>
+              </a:rPr>
+              <a:t>” and  run:</a:t>
+            </a:r>
+            <a:br>
+              <a:rPr lang="en-US" dirty="0">
+                <a:solidFill>
+                  <a:schemeClr val="bg1"/>
+                </a:solidFill>
+              </a:rPr>
+            </a:br>
+            <a:r>
+              <a:rPr lang="en-US" dirty="0">
+                <a:solidFill>
+                  <a:schemeClr val="bg1"/>
+                </a:solidFill>
+              </a:rPr>
+              <a:t>docker compose -f docker/docker-</a:t>
+            </a:r>
+            <a:r>
+              <a:rPr lang="en-US" dirty="0" err="1">
+                <a:solidFill>
+                  <a:schemeClr val="bg1"/>
+                </a:solidFill>
+              </a:rPr>
+              <a:t>compose.yaml</a:t>
+            </a:r>
+            <a:r>
+              <a:rPr lang="en-US" dirty="0">
+                <a:solidFill>
+                  <a:schemeClr val="bg1"/>
+                </a:solidFill>
+              </a:rPr>
+              <a:t> up --build </a:t>
+            </a:r>
+          </a:p>
+        </p:txBody>
+      </p:sp>
     </p:spTree>
     <p:extLst>
       <p:ext uri="{BB962C8B-B14F-4D97-AF65-F5344CB8AC3E}">
@@ -7671,12 +8435,178 @@
           </a:p>
         </p:txBody>
       </p:sp>
+      <p:sp>
+        <p:nvSpPr>
+          <p:cNvPr id="2" name="TextBox 1">
+            <a:extLst>
+              <a:ext uri="{FF2B5EF4-FFF2-40B4-BE49-F238E27FC236}">
+                <a16:creationId xmlns:a16="http://schemas.microsoft.com/office/drawing/2014/main" id="{4962BFB4-73E1-D14D-7AF5-E896FA46B7DC}"/>
+              </a:ext>
+            </a:extLst>
+          </p:cNvPr>
+          <p:cNvSpPr txBox="1"/>
+          <p:nvPr/>
+        </p:nvSpPr>
+        <p:spPr>
+          <a:xfrm>
+            <a:off x="4831833" y="359596"/>
+            <a:ext cx="6316794" cy="1477328"/>
+          </a:xfrm>
+          <a:prstGeom prst="rect">
+            <a:avLst/>
+          </a:prstGeom>
+          <a:noFill/>
+        </p:spPr>
+        <p:txBody>
+          <a:bodyPr wrap="none" rtlCol="0">
+            <a:spAutoFit/>
+          </a:bodyPr>
+          <a:lstStyle/>
+          <a:p>
+            <a:r>
+              <a:rPr lang="es-ES" dirty="0" err="1"/>
+              <a:t>To</a:t>
+            </a:r>
+            <a:r>
+              <a:rPr lang="es-ES" dirty="0"/>
+              <a:t> </a:t>
+            </a:r>
+            <a:r>
+              <a:rPr lang="es-ES" dirty="0" err="1"/>
+              <a:t>see</a:t>
+            </a:r>
+            <a:r>
+              <a:rPr lang="es-ES" dirty="0"/>
+              <a:t> </a:t>
+            </a:r>
+            <a:r>
+              <a:rPr lang="es-ES" dirty="0" err="1"/>
+              <a:t>schemas</a:t>
+            </a:r>
+            <a:r>
+              <a:rPr lang="es-ES" dirty="0"/>
+              <a:t> and table </a:t>
+            </a:r>
+            <a:r>
+              <a:rPr lang="es-ES" dirty="0" err="1"/>
+              <a:t>inside</a:t>
+            </a:r>
+            <a:r>
+              <a:rPr lang="es-ES" dirty="0"/>
+              <a:t> Docker open Docker desktop</a:t>
+            </a:r>
+          </a:p>
+          <a:p>
+            <a:r>
+              <a:rPr lang="es-ES" dirty="0"/>
+              <a:t>1 </a:t>
+            </a:r>
+            <a:r>
+              <a:rPr lang="es-ES" dirty="0" err="1"/>
+              <a:t>Click</a:t>
+            </a:r>
+            <a:r>
+              <a:rPr lang="es-ES" dirty="0"/>
+              <a:t> </a:t>
+            </a:r>
+            <a:r>
+              <a:rPr lang="es-ES" dirty="0" err="1"/>
+              <a:t>on</a:t>
+            </a:r>
+            <a:r>
+              <a:rPr lang="es-ES" dirty="0"/>
+              <a:t> </a:t>
+            </a:r>
+            <a:r>
+              <a:rPr lang="es-ES" dirty="0" err="1"/>
+              <a:t>Containers</a:t>
+            </a:r>
+            <a:endParaRPr lang="es-ES" dirty="0"/>
+          </a:p>
+          <a:p>
+            <a:r>
+              <a:rPr lang="es-ES" dirty="0"/>
+              <a:t>2 </a:t>
+            </a:r>
+            <a:r>
+              <a:rPr lang="es-ES" dirty="0" err="1"/>
+              <a:t>Double</a:t>
+            </a:r>
+            <a:r>
+              <a:rPr lang="es-ES" dirty="0"/>
+              <a:t> </a:t>
+            </a:r>
+            <a:r>
+              <a:rPr lang="es-ES" dirty="0" err="1"/>
+              <a:t>click</a:t>
+            </a:r>
+            <a:r>
+              <a:rPr lang="es-ES" dirty="0"/>
+              <a:t> </a:t>
+            </a:r>
+            <a:r>
+              <a:rPr lang="es-ES" dirty="0" err="1"/>
+              <a:t>on</a:t>
+            </a:r>
+            <a:r>
+              <a:rPr lang="es-ES" dirty="0"/>
+              <a:t> postgres-1 container</a:t>
+            </a:r>
+          </a:p>
+          <a:p>
+            <a:r>
+              <a:rPr lang="es-ES" dirty="0"/>
+              <a:t>3 </a:t>
+            </a:r>
+            <a:r>
+              <a:rPr lang="es-ES" dirty="0" err="1"/>
+              <a:t>Clck</a:t>
+            </a:r>
+            <a:r>
+              <a:rPr lang="es-ES" dirty="0"/>
+              <a:t> in </a:t>
+            </a:r>
+            <a:r>
+              <a:rPr lang="es-ES" dirty="0" err="1"/>
+              <a:t>Exec</a:t>
+            </a:r>
+            <a:endParaRPr lang="es-ES" dirty="0"/>
+          </a:p>
+          <a:p>
+            <a:r>
+              <a:rPr lang="es-ES" dirty="0"/>
+              <a:t>4. run: </a:t>
+            </a:r>
+            <a:r>
+              <a:rPr lang="es-ES" dirty="0" err="1"/>
+              <a:t>psql</a:t>
+            </a:r>
+            <a:r>
+              <a:rPr lang="es-ES" dirty="0"/>
+              <a:t> –U </a:t>
+            </a:r>
+            <a:r>
+              <a:rPr lang="es-ES" dirty="0" err="1"/>
+              <a:t>airflow</a:t>
+            </a:r>
+            <a:r>
+              <a:rPr lang="es-ES" dirty="0"/>
+              <a:t> –d </a:t>
+            </a:r>
+            <a:r>
+              <a:rPr lang="es-ES" dirty="0" err="1"/>
+              <a:t>airflow</a:t>
+            </a:r>
+            <a:endParaRPr lang="en-US" dirty="0"/>
+          </a:p>
+        </p:txBody>
+      </p:sp>
       <p:pic>
         <p:nvPicPr>
-          <p:cNvPr id="5" name="Picture 4">
-            <a:extLst>
-              <a:ext uri="{FF2B5EF4-FFF2-40B4-BE49-F238E27FC236}">
-                <a16:creationId xmlns:a16="http://schemas.microsoft.com/office/drawing/2014/main" id="{EDDF01CC-852B-F998-A053-277D1BCD6CEA}"/>
+          <p:cNvPr id="6" name="Picture 5" descr="A screenshot of a computer&#10;&#10;AI-generated content may be incorrect.">
+            <a:extLst>
+              <a:ext uri="{FF2B5EF4-FFF2-40B4-BE49-F238E27FC236}">
+                <a16:creationId xmlns:a16="http://schemas.microsoft.com/office/drawing/2014/main" id="{A8C30F01-81D6-ED26-C3A0-E8D1B1E19B2B}"/>
               </a:ext>
             </a:extLst>
           </p:cNvPr>
@@ -7693,8 +8623,8 @@
         </p:blipFill>
         <p:spPr>
           <a:xfrm>
-            <a:off x="4726113" y="889025"/>
-            <a:ext cx="1946722" cy="1844263"/>
+            <a:off x="4343293" y="1919521"/>
+            <a:ext cx="8009454" cy="2870664"/>
           </a:xfrm>
           <a:prstGeom prst="rect">
             <a:avLst/>
@@ -7703,10 +8633,10 @@
       </p:pic>
       <p:pic>
         <p:nvPicPr>
-          <p:cNvPr id="9" name="Picture 8">
-            <a:extLst>
-              <a:ext uri="{FF2B5EF4-FFF2-40B4-BE49-F238E27FC236}">
-                <a16:creationId xmlns:a16="http://schemas.microsoft.com/office/drawing/2014/main" id="{2CB76F48-876F-B03D-4A15-570B28BCE858}"/>
+          <p:cNvPr id="10" name="Picture 9" descr="A screenshot of a computer&#10;&#10;AI-generated content may be incorrect.">
+            <a:extLst>
+              <a:ext uri="{FF2B5EF4-FFF2-40B4-BE49-F238E27FC236}">
+                <a16:creationId xmlns:a16="http://schemas.microsoft.com/office/drawing/2014/main" id="{8994E43F-85F8-4917-6243-C387E75DA945}"/>
               </a:ext>
             </a:extLst>
           </p:cNvPr>
@@ -7723,20 +8653,152 @@
         </p:blipFill>
         <p:spPr>
           <a:xfrm>
-            <a:off x="4535469" y="2938467"/>
-            <a:ext cx="7157526" cy="3714353"/>
+            <a:off x="3821587" y="5004290"/>
+            <a:ext cx="5325218" cy="1305107"/>
           </a:xfrm>
           <a:prstGeom prst="rect">
             <a:avLst/>
           </a:prstGeom>
         </p:spPr>
       </p:pic>
+      <p:sp>
+        <p:nvSpPr>
+          <p:cNvPr id="11" name="TextBox 10">
+            <a:extLst>
+              <a:ext uri="{FF2B5EF4-FFF2-40B4-BE49-F238E27FC236}">
+                <a16:creationId xmlns:a16="http://schemas.microsoft.com/office/drawing/2014/main" id="{79541716-DAAC-CC89-8B09-3DC8DEE11ECF}"/>
+              </a:ext>
+            </a:extLst>
+          </p:cNvPr>
+          <p:cNvSpPr txBox="1"/>
+          <p:nvPr/>
+        </p:nvSpPr>
+        <p:spPr>
+          <a:xfrm>
+            <a:off x="4831833" y="1976442"/>
+            <a:ext cx="308098" cy="369332"/>
+          </a:xfrm>
+          <a:prstGeom prst="rect">
+            <a:avLst/>
+          </a:prstGeom>
+          <a:noFill/>
+        </p:spPr>
+        <p:txBody>
+          <a:bodyPr wrap="none" rtlCol="0">
+            <a:spAutoFit/>
+          </a:bodyPr>
+          <a:lstStyle/>
+          <a:p>
+            <a:r>
+              <a:rPr lang="es-ES" dirty="0">
+                <a:solidFill>
+                  <a:srgbClr val="FF0000"/>
+                </a:solidFill>
+              </a:rPr>
+              <a:t>1</a:t>
+            </a:r>
+            <a:endParaRPr lang="en-US" dirty="0">
+              <a:solidFill>
+                <a:srgbClr val="FF0000"/>
+              </a:solidFill>
+            </a:endParaRPr>
+          </a:p>
+        </p:txBody>
+      </p:sp>
+      <p:sp>
+        <p:nvSpPr>
+          <p:cNvPr id="12" name="TextBox 11">
+            <a:extLst>
+              <a:ext uri="{FF2B5EF4-FFF2-40B4-BE49-F238E27FC236}">
+                <a16:creationId xmlns:a16="http://schemas.microsoft.com/office/drawing/2014/main" id="{4C331D27-DE7B-3A57-D89A-72A7F9FA0CC9}"/>
+              </a:ext>
+            </a:extLst>
+          </p:cNvPr>
+          <p:cNvSpPr txBox="1"/>
+          <p:nvPr/>
+        </p:nvSpPr>
+        <p:spPr>
+          <a:xfrm>
+            <a:off x="6330147" y="3598047"/>
+            <a:ext cx="308098" cy="369332"/>
+          </a:xfrm>
+          <a:prstGeom prst="rect">
+            <a:avLst/>
+          </a:prstGeom>
+          <a:noFill/>
+        </p:spPr>
+        <p:txBody>
+          <a:bodyPr wrap="none" rtlCol="0">
+            <a:spAutoFit/>
+          </a:bodyPr>
+          <a:lstStyle/>
+          <a:p>
+            <a:r>
+              <a:rPr lang="es-ES" dirty="0">
+                <a:solidFill>
+                  <a:srgbClr val="FF0000"/>
+                </a:solidFill>
+              </a:rPr>
+              <a:t>2</a:t>
+            </a:r>
+            <a:endParaRPr lang="en-US" dirty="0">
+              <a:solidFill>
+                <a:srgbClr val="FF0000"/>
+              </a:solidFill>
+            </a:endParaRPr>
+          </a:p>
+        </p:txBody>
+      </p:sp>
+      <p:sp>
+        <p:nvSpPr>
+          <p:cNvPr id="13" name="TextBox 12">
+            <a:extLst>
+              <a:ext uri="{FF2B5EF4-FFF2-40B4-BE49-F238E27FC236}">
+                <a16:creationId xmlns:a16="http://schemas.microsoft.com/office/drawing/2014/main" id="{4B69D33A-9912-699E-25F7-D20CB5137F86}"/>
+              </a:ext>
+            </a:extLst>
+          </p:cNvPr>
+          <p:cNvSpPr txBox="1"/>
+          <p:nvPr/>
+        </p:nvSpPr>
+        <p:spPr>
+          <a:xfrm>
+            <a:off x="6501547" y="5554369"/>
+            <a:ext cx="308098" cy="369332"/>
+          </a:xfrm>
+          <a:prstGeom prst="rect">
+            <a:avLst/>
+          </a:prstGeom>
+          <a:noFill/>
+        </p:spPr>
+        <p:txBody>
+          <a:bodyPr wrap="none" rtlCol="0">
+            <a:spAutoFit/>
+          </a:bodyPr>
+          <a:lstStyle/>
+          <a:p>
+            <a:r>
+              <a:rPr lang="es-ES" dirty="0">
+                <a:solidFill>
+                  <a:srgbClr val="FF0000"/>
+                </a:solidFill>
+              </a:rPr>
+              <a:t>3</a:t>
+            </a:r>
+            <a:endParaRPr lang="en-US" dirty="0">
+              <a:solidFill>
+                <a:srgbClr val="FF0000"/>
+              </a:solidFill>
+            </a:endParaRPr>
+          </a:p>
+        </p:txBody>
+      </p:sp>
       <p:pic>
         <p:nvPicPr>
-          <p:cNvPr id="7" name="Picture 6">
-            <a:extLst>
-              <a:ext uri="{FF2B5EF4-FFF2-40B4-BE49-F238E27FC236}">
-                <a16:creationId xmlns:a16="http://schemas.microsoft.com/office/drawing/2014/main" id="{F68B2F4A-6B17-0E45-7894-5B546472C79B}"/>
+          <p:cNvPr id="17" name="Picture 16" descr="A screenshot of a computer program&#10;&#10;AI-generated content may be incorrect.">
+            <a:extLst>
+              <a:ext uri="{FF2B5EF4-FFF2-40B4-BE49-F238E27FC236}">
+                <a16:creationId xmlns:a16="http://schemas.microsoft.com/office/drawing/2014/main" id="{2D21F8C7-D71C-5258-6446-6839D72011BC}"/>
               </a:ext>
             </a:extLst>
           </p:cNvPr>
@@ -7753,14 +8815,58 @@
         </p:blipFill>
         <p:spPr>
           <a:xfrm>
-            <a:off x="6896919" y="941033"/>
-            <a:ext cx="3982279" cy="1740246"/>
+            <a:off x="9169005" y="5082135"/>
+            <a:ext cx="3000794" cy="1114581"/>
           </a:xfrm>
           <a:prstGeom prst="rect">
             <a:avLst/>
           </a:prstGeom>
         </p:spPr>
       </p:pic>
+      <p:sp>
+        <p:nvSpPr>
+          <p:cNvPr id="19" name="TextBox 18">
+            <a:extLst>
+              <a:ext uri="{FF2B5EF4-FFF2-40B4-BE49-F238E27FC236}">
+                <a16:creationId xmlns:a16="http://schemas.microsoft.com/office/drawing/2014/main" id="{99DC1590-8608-625D-2883-D5023337AF1C}"/>
+              </a:ext>
+            </a:extLst>
+          </p:cNvPr>
+          <p:cNvSpPr txBox="1"/>
+          <p:nvPr/>
+        </p:nvSpPr>
+        <p:spPr>
+          <a:xfrm>
+            <a:off x="10515353" y="4819624"/>
+            <a:ext cx="308098" cy="369332"/>
+          </a:xfrm>
+          <a:prstGeom prst="rect">
+            <a:avLst/>
+          </a:prstGeom>
+          <a:noFill/>
+        </p:spPr>
+        <p:txBody>
+          <a:bodyPr wrap="none" rtlCol="0">
+            <a:spAutoFit/>
+          </a:bodyPr>
+          <a:lstStyle/>
+          <a:p>
+            <a:r>
+              <a:rPr lang="es-ES" dirty="0">
+                <a:solidFill>
+                  <a:srgbClr val="FF0000"/>
+                </a:solidFill>
+              </a:rPr>
+              <a:t>4</a:t>
+            </a:r>
+            <a:endParaRPr lang="en-US" dirty="0">
+              <a:solidFill>
+                <a:srgbClr val="FF0000"/>
+              </a:solidFill>
+            </a:endParaRPr>
+          </a:p>
+        </p:txBody>
+      </p:sp>
     </p:spTree>
     <p:extLst>
       <p:ext uri="{BB962C8B-B14F-4D97-AF65-F5344CB8AC3E}">
@@ -7787,7 +8893,13 @@
     </p:bg>
     <p:spTree>
       <p:nvGrpSpPr>
-        <p:cNvPr id="1" name=""/>
+        <p:cNvPr id="1" name="">
+          <a:extLst>
+            <a:ext uri="{FF2B5EF4-FFF2-40B4-BE49-F238E27FC236}">
+              <a16:creationId xmlns:a16="http://schemas.microsoft.com/office/drawing/2014/main" id="{FC987D34-B7E4-F704-B380-4DE7713D3F59}"/>
+            </a:ext>
+          </a:extLst>
+        </p:cNvPr>
         <p:cNvGrpSpPr/>
         <p:nvPr/>
       </p:nvGrpSpPr>
@@ -7801,10 +8913,10 @@
       </p:grpSpPr>
       <p:sp useBgFill="1">
         <p:nvSpPr>
-          <p:cNvPr id="19" name="Rectangle 18">
-            <a:extLst>
-              <a:ext uri="{FF2B5EF4-FFF2-40B4-BE49-F238E27FC236}">
-                <a16:creationId xmlns:a16="http://schemas.microsoft.com/office/drawing/2014/main" id="{9CB95732-565A-4D2C-A3AB-CC460C0D3826}"/>
+          <p:cNvPr id="14" name="Rectangle 13">
+            <a:extLst>
+              <a:ext uri="{FF2B5EF4-FFF2-40B4-BE49-F238E27FC236}">
+                <a16:creationId xmlns:a16="http://schemas.microsoft.com/office/drawing/2014/main" id="{40609195-7E20-C580-B70A-1D276E8A6FA0}"/>
               </a:ext>
               <a:ext uri="{C183D7F6-B498-43B3-948B-1728B52AA6E4}">
                 <adec:decorative xmlns:adec="http://schemas.microsoft.com/office/drawing/2017/decorative" val="1"/>
@@ -7877,10 +8989,10 @@
       </p:sp>
       <p:sp>
         <p:nvSpPr>
-          <p:cNvPr id="21" name="Rectangle 20">
-            <a:extLst>
-              <a:ext uri="{FF2B5EF4-FFF2-40B4-BE49-F238E27FC236}">
-                <a16:creationId xmlns:a16="http://schemas.microsoft.com/office/drawing/2014/main" id="{77F1AF47-AE98-4034-BD91-1976FA4D9C4C}"/>
+          <p:cNvPr id="16" name="Rectangle 15">
+            <a:extLst>
+              <a:ext uri="{FF2B5EF4-FFF2-40B4-BE49-F238E27FC236}">
+                <a16:creationId xmlns:a16="http://schemas.microsoft.com/office/drawing/2014/main" id="{3D46AAB6-72BA-E7D4-E0C7-3759591B2C9D}"/>
               </a:ext>
               <a:ext uri="{C183D7F6-B498-43B3-948B-1728B52AA6E4}">
                 <adec:decorative xmlns:adec="http://schemas.microsoft.com/office/drawing/2017/decorative" val="1"/>
@@ -7950,10 +9062,10 @@
       </p:sp>
       <p:sp>
         <p:nvSpPr>
-          <p:cNvPr id="23" name="Rectangle 22">
-            <a:extLst>
-              <a:ext uri="{FF2B5EF4-FFF2-40B4-BE49-F238E27FC236}">
-                <a16:creationId xmlns:a16="http://schemas.microsoft.com/office/drawing/2014/main" id="{8EC0EE2B-2029-48DD-893D-F528E651B07D}"/>
+          <p:cNvPr id="18" name="Rectangle 17">
+            <a:extLst>
+              <a:ext uri="{FF2B5EF4-FFF2-40B4-BE49-F238E27FC236}">
+                <a16:creationId xmlns:a16="http://schemas.microsoft.com/office/drawing/2014/main" id="{1CB10880-B370-0A97-9229-EB674BBDAA97}"/>
               </a:ext>
               <a:ext uri="{C183D7F6-B498-43B3-948B-1728B52AA6E4}">
                 <adec:decorative xmlns:adec="http://schemas.microsoft.com/office/drawing/2017/decorative" val="1"/>
@@ -8025,10 +9137,10 @@
       </p:sp>
       <p:sp>
         <p:nvSpPr>
-          <p:cNvPr id="25" name="Freeform: Shape 24">
-            <a:extLst>
-              <a:ext uri="{FF2B5EF4-FFF2-40B4-BE49-F238E27FC236}">
-                <a16:creationId xmlns:a16="http://schemas.microsoft.com/office/drawing/2014/main" id="{45AE1D08-1ED1-4F59-B42F-4D8EA33DC8C6}"/>
+          <p:cNvPr id="20" name="Freeform: Shape 19">
+            <a:extLst>
+              <a:ext uri="{FF2B5EF4-FFF2-40B4-BE49-F238E27FC236}">
+                <a16:creationId xmlns:a16="http://schemas.microsoft.com/office/drawing/2014/main" id="{720A6005-384C-1E4B-0DB8-B0DE13EECDB9}"/>
               </a:ext>
               <a:ext uri="{C183D7F6-B498-43B3-948B-1728B52AA6E4}">
                 <adec:decorative xmlns:adec="http://schemas.microsoft.com/office/drawing/2017/decorative" val="1"/>
@@ -8198,10 +9310,10 @@
       </p:sp>
       <p:sp>
         <p:nvSpPr>
-          <p:cNvPr id="27" name="Rectangle 26">
-            <a:extLst>
-              <a:ext uri="{FF2B5EF4-FFF2-40B4-BE49-F238E27FC236}">
-                <a16:creationId xmlns:a16="http://schemas.microsoft.com/office/drawing/2014/main" id="{9A79B912-88EA-4640-BDEB-51B3B11A026A}"/>
+          <p:cNvPr id="22" name="Rectangle 21">
+            <a:extLst>
+              <a:ext uri="{FF2B5EF4-FFF2-40B4-BE49-F238E27FC236}">
+                <a16:creationId xmlns:a16="http://schemas.microsoft.com/office/drawing/2014/main" id="{F4C659BD-AD1C-C88B-DB48-739642435803}"/>
               </a:ext>
               <a:ext uri="{C183D7F6-B498-43B3-948B-1728B52AA6E4}">
                 <adec:decorative xmlns:adec="http://schemas.microsoft.com/office/drawing/2017/decorative" val="1"/>
@@ -8274,10 +9386,10 @@
       </p:sp>
       <p:sp>
         <p:nvSpPr>
-          <p:cNvPr id="2" name="Title 1">
-            <a:extLst>
-              <a:ext uri="{FF2B5EF4-FFF2-40B4-BE49-F238E27FC236}">
-                <a16:creationId xmlns:a16="http://schemas.microsoft.com/office/drawing/2014/main" id="{0A59BA24-C09B-CB9B-2D51-2D7D570E2053}"/>
+          <p:cNvPr id="3" name="Title 2">
+            <a:extLst>
+              <a:ext uri="{FF2B5EF4-FFF2-40B4-BE49-F238E27FC236}">
+                <a16:creationId xmlns:a16="http://schemas.microsoft.com/office/drawing/2014/main" id="{633B8FB0-7029-2198-59CB-7B73B4516E68}"/>
               </a:ext>
             </a:extLst>
           </p:cNvPr>
@@ -8306,17 +9418,17 @@
                   <a:srgbClr val="FFFFFF"/>
                 </a:solidFill>
               </a:rPr>
-              <a:t>Staging Schema creation and table creation</a:t>
+              <a:t>Raw Schema creation and raw data import</a:t>
             </a:r>
           </a:p>
         </p:txBody>
       </p:sp>
       <p:pic>
         <p:nvPicPr>
-          <p:cNvPr id="4" name="Picture 3">
-            <a:extLst>
-              <a:ext uri="{FF2B5EF4-FFF2-40B4-BE49-F238E27FC236}">
-                <a16:creationId xmlns:a16="http://schemas.microsoft.com/office/drawing/2014/main" id="{6C9BBF72-285B-0F3B-199F-2C7068D3877E}"/>
+          <p:cNvPr id="5" name="Picture 4">
+            <a:extLst>
+              <a:ext uri="{FF2B5EF4-FFF2-40B4-BE49-F238E27FC236}">
+                <a16:creationId xmlns:a16="http://schemas.microsoft.com/office/drawing/2014/main" id="{073BCF17-E02F-A113-1764-75E133950B93}"/>
               </a:ext>
             </a:extLst>
           </p:cNvPr>
@@ -8333,8 +9445,8 @@
         </p:blipFill>
         <p:spPr>
           <a:xfrm>
-            <a:off x="4601040" y="872569"/>
-            <a:ext cx="3387578" cy="2301266"/>
+            <a:off x="4109620" y="1461567"/>
+            <a:ext cx="1841485" cy="1744565"/>
           </a:xfrm>
           <a:prstGeom prst="rect">
             <a:avLst/>
@@ -8343,10 +9455,10 @@
       </p:pic>
       <p:pic>
         <p:nvPicPr>
-          <p:cNvPr id="12" name="Picture 11">
-            <a:extLst>
-              <a:ext uri="{FF2B5EF4-FFF2-40B4-BE49-F238E27FC236}">
-                <a16:creationId xmlns:a16="http://schemas.microsoft.com/office/drawing/2014/main" id="{79B0E2A9-722A-EBD5-D5CE-288F0F5135CF}"/>
+          <p:cNvPr id="9" name="Picture 8">
+            <a:extLst>
+              <a:ext uri="{FF2B5EF4-FFF2-40B4-BE49-F238E27FC236}">
+                <a16:creationId xmlns:a16="http://schemas.microsoft.com/office/drawing/2014/main" id="{3728241B-6E6F-2816-83BE-223DF0D59FC6}"/>
               </a:ext>
             </a:extLst>
           </p:cNvPr>
@@ -8363,8 +9475,8 @@
         </p:blipFill>
         <p:spPr>
           <a:xfrm>
-            <a:off x="8293930" y="1102654"/>
-            <a:ext cx="3419533" cy="2071180"/>
+            <a:off x="4791118" y="3901626"/>
+            <a:ext cx="5690919" cy="2953266"/>
           </a:xfrm>
           <a:prstGeom prst="rect">
             <a:avLst/>
@@ -8373,10 +9485,10 @@
       </p:pic>
       <p:pic>
         <p:nvPicPr>
-          <p:cNvPr id="14" name="Picture 13">
-            <a:extLst>
-              <a:ext uri="{FF2B5EF4-FFF2-40B4-BE49-F238E27FC236}">
-                <a16:creationId xmlns:a16="http://schemas.microsoft.com/office/drawing/2014/main" id="{EB1C56CB-E8A0-25ED-FAF3-0F4E2789796B}"/>
+          <p:cNvPr id="7" name="Picture 6">
+            <a:extLst>
+              <a:ext uri="{FF2B5EF4-FFF2-40B4-BE49-F238E27FC236}">
+                <a16:creationId xmlns:a16="http://schemas.microsoft.com/office/drawing/2014/main" id="{091BD159-E092-4280-3F5E-354A649FD437}"/>
               </a:ext>
             </a:extLst>
           </p:cNvPr>
@@ -8393,8 +9505,8 @@
         </p:blipFill>
         <p:spPr>
           <a:xfrm>
-            <a:off x="4960416" y="3429000"/>
-            <a:ext cx="6393671" cy="2887465"/>
+            <a:off x="6096000" y="2058824"/>
+            <a:ext cx="2674496" cy="1168748"/>
           </a:xfrm>
           <a:prstGeom prst="rect">
             <a:avLst/>
@@ -8403,10 +9515,397 @@
       </p:pic>
       <p:sp>
         <p:nvSpPr>
-          <p:cNvPr id="15" name="Arrow: Right 14">
-            <a:extLst>
-              <a:ext uri="{FF2B5EF4-FFF2-40B4-BE49-F238E27FC236}">
-                <a16:creationId xmlns:a16="http://schemas.microsoft.com/office/drawing/2014/main" id="{A41657CB-1D99-BC9C-90C6-2A413DEB10BE}"/>
+          <p:cNvPr id="2" name="TextBox 1">
+            <a:extLst>
+              <a:ext uri="{FF2B5EF4-FFF2-40B4-BE49-F238E27FC236}">
+                <a16:creationId xmlns:a16="http://schemas.microsoft.com/office/drawing/2014/main" id="{AC66EBB4-9EE3-1B5C-C7A8-DB2E10D2EDA5}"/>
+              </a:ext>
+            </a:extLst>
+          </p:cNvPr>
+          <p:cNvSpPr txBox="1"/>
+          <p:nvPr/>
+        </p:nvSpPr>
+        <p:spPr>
+          <a:xfrm>
+            <a:off x="5401767" y="294046"/>
+            <a:ext cx="4469622" cy="369332"/>
+          </a:xfrm>
+          <a:prstGeom prst="rect">
+            <a:avLst/>
+          </a:prstGeom>
+          <a:noFill/>
+        </p:spPr>
+        <p:txBody>
+          <a:bodyPr wrap="none" rtlCol="0">
+            <a:spAutoFit/>
+          </a:bodyPr>
+          <a:lstStyle/>
+          <a:p>
+            <a:r>
+              <a:rPr lang="es-ES" dirty="0"/>
+              <a:t>Once </a:t>
+            </a:r>
+            <a:r>
+              <a:rPr lang="es-ES" dirty="0" err="1"/>
+              <a:t>inside</a:t>
+            </a:r>
+            <a:r>
+              <a:rPr lang="es-ES" dirty="0"/>
+              <a:t> </a:t>
+            </a:r>
+            <a:r>
+              <a:rPr lang="es-ES" dirty="0" err="1"/>
+              <a:t>execute</a:t>
+            </a:r>
+            <a:r>
+              <a:rPr lang="es-ES" dirty="0"/>
+              <a:t> \</a:t>
+            </a:r>
+            <a:r>
+              <a:rPr lang="es-ES" dirty="0" err="1"/>
+              <a:t>dn</a:t>
+            </a:r>
+            <a:r>
+              <a:rPr lang="es-ES" dirty="0"/>
+              <a:t> </a:t>
+            </a:r>
+            <a:r>
+              <a:rPr lang="es-ES" dirty="0" err="1"/>
+              <a:t>to</a:t>
+            </a:r>
+            <a:r>
+              <a:rPr lang="es-ES" dirty="0"/>
+              <a:t> </a:t>
+            </a:r>
+            <a:r>
+              <a:rPr lang="es-ES" dirty="0" err="1"/>
+              <a:t>see</a:t>
+            </a:r>
+            <a:r>
+              <a:rPr lang="es-ES" dirty="0"/>
+              <a:t> al </a:t>
+            </a:r>
+            <a:r>
+              <a:rPr lang="es-ES" dirty="0" err="1"/>
+              <a:t>schemas</a:t>
+            </a:r>
+            <a:r>
+              <a:rPr lang="es-ES" dirty="0"/>
+              <a:t> </a:t>
+            </a:r>
+            <a:endParaRPr lang="en-US" dirty="0"/>
+          </a:p>
+        </p:txBody>
+      </p:sp>
+      <p:pic>
+        <p:nvPicPr>
+          <p:cNvPr id="6" name="Picture 5" descr="A screen shot of a computer program&#10;&#10;AI-generated content may be incorrect.">
+            <a:extLst>
+              <a:ext uri="{FF2B5EF4-FFF2-40B4-BE49-F238E27FC236}">
+                <a16:creationId xmlns:a16="http://schemas.microsoft.com/office/drawing/2014/main" id="{78A40425-8F32-A5A2-0783-93291E3BDB72}"/>
+              </a:ext>
+            </a:extLst>
+          </p:cNvPr>
+          <p:cNvPicPr>
+            <a:picLocks noChangeAspect="1"/>
+          </p:cNvPicPr>
+          <p:nvPr/>
+        </p:nvPicPr>
+        <p:blipFill>
+          <a:blip r:embed="rId5"/>
+          <a:stretch>
+            <a:fillRect/>
+          </a:stretch>
+        </p:blipFill>
+        <p:spPr>
+          <a:xfrm>
+            <a:off x="9825751" y="294046"/>
+            <a:ext cx="1303565" cy="1097059"/>
+          </a:xfrm>
+          <a:prstGeom prst="rect">
+            <a:avLst/>
+          </a:prstGeom>
+        </p:spPr>
+      </p:pic>
+      <p:sp>
+        <p:nvSpPr>
+          <p:cNvPr id="8" name="TextBox 7">
+            <a:extLst>
+              <a:ext uri="{FF2B5EF4-FFF2-40B4-BE49-F238E27FC236}">
+                <a16:creationId xmlns:a16="http://schemas.microsoft.com/office/drawing/2014/main" id="{3F8D4F82-A67D-CBD4-9420-7A04B2162BD2}"/>
+              </a:ext>
+            </a:extLst>
+          </p:cNvPr>
+          <p:cNvSpPr txBox="1"/>
+          <p:nvPr/>
+        </p:nvSpPr>
+        <p:spPr>
+          <a:xfrm>
+            <a:off x="6134914" y="1453085"/>
+            <a:ext cx="4974088" cy="646331"/>
+          </a:xfrm>
+          <a:prstGeom prst="rect">
+            <a:avLst/>
+          </a:prstGeom>
+          <a:noFill/>
+        </p:spPr>
+        <p:txBody>
+          <a:bodyPr wrap="square" rtlCol="0">
+            <a:spAutoFit/>
+          </a:bodyPr>
+          <a:lstStyle/>
+          <a:p>
+            <a:r>
+              <a:rPr lang="es-ES" dirty="0" err="1"/>
+              <a:t>To</a:t>
+            </a:r>
+            <a:r>
+              <a:rPr lang="es-ES" dirty="0"/>
+              <a:t> </a:t>
+            </a:r>
+            <a:r>
+              <a:rPr lang="es-ES" dirty="0" err="1"/>
+              <a:t>see</a:t>
+            </a:r>
+            <a:r>
+              <a:rPr lang="es-ES" dirty="0"/>
+              <a:t> </a:t>
+            </a:r>
+            <a:r>
+              <a:rPr lang="es-ES" dirty="0" err="1"/>
+              <a:t>all</a:t>
+            </a:r>
+            <a:r>
+              <a:rPr lang="es-ES" dirty="0"/>
+              <a:t> tables </a:t>
+            </a:r>
+            <a:r>
+              <a:rPr lang="es-ES" dirty="0" err="1"/>
+              <a:t>inside</a:t>
+            </a:r>
+            <a:r>
+              <a:rPr lang="es-ES" dirty="0"/>
+              <a:t> a </a:t>
+            </a:r>
+            <a:r>
+              <a:rPr lang="es-ES" dirty="0" err="1"/>
+              <a:t>schema</a:t>
+            </a:r>
+            <a:r>
+              <a:rPr lang="es-ES" dirty="0"/>
+              <a:t> </a:t>
+            </a:r>
+            <a:r>
+              <a:rPr lang="es-ES" dirty="0" err="1"/>
+              <a:t>execute</a:t>
+            </a:r>
+            <a:endParaRPr lang="es-ES" dirty="0"/>
+          </a:p>
+          <a:p>
+            <a:r>
+              <a:rPr lang="es-ES" dirty="0"/>
+              <a:t>\</a:t>
+            </a:r>
+            <a:r>
+              <a:rPr lang="es-ES" dirty="0" err="1"/>
+              <a:t>dn</a:t>
+            </a:r>
+            <a:r>
+              <a:rPr lang="es-ES" dirty="0"/>
+              <a:t> </a:t>
+            </a:r>
+            <a:r>
+              <a:rPr lang="es-ES" i="1" dirty="0"/>
+              <a:t>schema_name</a:t>
+            </a:r>
+            <a:r>
+              <a:rPr lang="es-ES" dirty="0"/>
+              <a:t>.* </a:t>
+            </a:r>
+            <a:r>
+              <a:rPr lang="es-ES" dirty="0" err="1"/>
+              <a:t>to</a:t>
+            </a:r>
+            <a:r>
+              <a:rPr lang="es-ES" dirty="0"/>
+              <a:t> </a:t>
+            </a:r>
+            <a:r>
+              <a:rPr lang="es-ES" dirty="0" err="1"/>
+              <a:t>see</a:t>
+            </a:r>
+            <a:r>
+              <a:rPr lang="es-ES" dirty="0"/>
+              <a:t> </a:t>
+            </a:r>
+            <a:r>
+              <a:rPr lang="es-ES" dirty="0" err="1"/>
+              <a:t>schema</a:t>
+            </a:r>
+            <a:r>
+              <a:rPr lang="es-ES" dirty="0"/>
+              <a:t> </a:t>
+            </a:r>
+            <a:r>
+              <a:rPr lang="es-ES" dirty="0" err="1"/>
+              <a:t>content</a:t>
+            </a:r>
+            <a:endParaRPr lang="en-US" dirty="0"/>
+          </a:p>
+        </p:txBody>
+      </p:sp>
+      <p:sp>
+        <p:nvSpPr>
+          <p:cNvPr id="10" name="TextBox 9">
+            <a:extLst>
+              <a:ext uri="{FF2B5EF4-FFF2-40B4-BE49-F238E27FC236}">
+                <a16:creationId xmlns:a16="http://schemas.microsoft.com/office/drawing/2014/main" id="{5374CC09-3DFC-3E05-4DCD-5F1B78A39408}"/>
+              </a:ext>
+            </a:extLst>
+          </p:cNvPr>
+          <p:cNvSpPr txBox="1"/>
+          <p:nvPr/>
+        </p:nvSpPr>
+        <p:spPr>
+          <a:xfrm>
+            <a:off x="5149532" y="3287342"/>
+            <a:ext cx="5959469" cy="646331"/>
+          </a:xfrm>
+          <a:prstGeom prst="rect">
+            <a:avLst/>
+          </a:prstGeom>
+          <a:noFill/>
+        </p:spPr>
+        <p:txBody>
+          <a:bodyPr wrap="square" rtlCol="0">
+            <a:spAutoFit/>
+          </a:bodyPr>
+          <a:lstStyle/>
+          <a:p>
+            <a:r>
+              <a:rPr lang="es-ES" dirty="0" err="1"/>
+              <a:t>To</a:t>
+            </a:r>
+            <a:r>
+              <a:rPr lang="es-ES" dirty="0"/>
+              <a:t> </a:t>
+            </a:r>
+            <a:r>
+              <a:rPr lang="es-ES" dirty="0" err="1"/>
+              <a:t>see</a:t>
+            </a:r>
+            <a:r>
+              <a:rPr lang="es-ES" dirty="0"/>
+              <a:t> a table </a:t>
+            </a:r>
+            <a:r>
+              <a:rPr lang="es-ES" dirty="0" err="1"/>
+              <a:t>content</a:t>
+            </a:r>
+            <a:r>
+              <a:rPr lang="es-ES" dirty="0"/>
+              <a:t> </a:t>
+            </a:r>
+            <a:r>
+              <a:rPr lang="es-ES" dirty="0" err="1"/>
+              <a:t>runs</a:t>
+            </a:r>
+            <a:r>
+              <a:rPr lang="es-ES" dirty="0"/>
+              <a:t> </a:t>
+            </a:r>
+            <a:r>
+              <a:rPr lang="es-ES" dirty="0" err="1"/>
+              <a:t>psql</a:t>
+            </a:r>
+            <a:r>
+              <a:rPr lang="es-ES" dirty="0"/>
+              <a:t> </a:t>
+            </a:r>
+            <a:r>
+              <a:rPr lang="es-ES" dirty="0" err="1"/>
+              <a:t>query</a:t>
+            </a:r>
+            <a:r>
+              <a:rPr lang="es-ES" dirty="0"/>
+              <a:t>,  and </a:t>
+            </a:r>
+            <a:r>
+              <a:rPr lang="es-ES" dirty="0" err="1"/>
+              <a:t>ends</a:t>
+            </a:r>
+            <a:r>
+              <a:rPr lang="es-ES" dirty="0"/>
+              <a:t> </a:t>
+            </a:r>
+            <a:r>
+              <a:rPr lang="es-ES" dirty="0" err="1"/>
+              <a:t>with</a:t>
+            </a:r>
+            <a:r>
+              <a:rPr lang="es-ES" dirty="0"/>
+              <a:t> “;”</a:t>
+            </a:r>
+          </a:p>
+          <a:p>
+            <a:r>
+              <a:rPr lang="es-ES" dirty="0"/>
+              <a:t>\</a:t>
+            </a:r>
+            <a:r>
+              <a:rPr lang="es-ES" dirty="0" err="1"/>
+              <a:t>dn</a:t>
+            </a:r>
+            <a:r>
+              <a:rPr lang="es-ES" dirty="0"/>
+              <a:t> </a:t>
+            </a:r>
+            <a:r>
+              <a:rPr lang="es-ES" i="1" dirty="0"/>
+              <a:t>schema_name</a:t>
+            </a:r>
+            <a:r>
+              <a:rPr lang="es-ES" dirty="0"/>
+              <a:t>.* </a:t>
+            </a:r>
+            <a:r>
+              <a:rPr lang="es-ES" dirty="0" err="1"/>
+              <a:t>to</a:t>
+            </a:r>
+            <a:r>
+              <a:rPr lang="es-ES" dirty="0"/>
+              <a:t> </a:t>
+            </a:r>
+            <a:r>
+              <a:rPr lang="es-ES" dirty="0" err="1"/>
+              <a:t>see</a:t>
+            </a:r>
+            <a:r>
+              <a:rPr lang="es-ES" dirty="0"/>
+              <a:t> </a:t>
+            </a:r>
+            <a:r>
+              <a:rPr lang="es-ES" dirty="0" err="1"/>
+              <a:t>schema</a:t>
+            </a:r>
+            <a:r>
+              <a:rPr lang="es-ES" dirty="0"/>
+              <a:t> </a:t>
+            </a:r>
+            <a:r>
+              <a:rPr lang="es-ES" dirty="0" err="1"/>
+              <a:t>content</a:t>
+            </a:r>
+            <a:endParaRPr lang="en-US" dirty="0"/>
+          </a:p>
+        </p:txBody>
+      </p:sp>
+      <p:sp>
+        <p:nvSpPr>
+          <p:cNvPr id="11" name="Rectangle 10">
+            <a:extLst>
+              <a:ext uri="{FF2B5EF4-FFF2-40B4-BE49-F238E27FC236}">
+                <a16:creationId xmlns:a16="http://schemas.microsoft.com/office/drawing/2014/main" id="{9B8FED28-F44A-D729-0270-993081B72059}"/>
               </a:ext>
             </a:extLst>
           </p:cNvPr>
@@ -8415,15 +9914,18 @@
         </p:nvSpPr>
         <p:spPr>
           <a:xfrm>
-            <a:off x="4341860" y="1820318"/>
-            <a:ext cx="503434" cy="143838"/>
-          </a:xfrm>
-          <a:prstGeom prst="rightArrow">
+            <a:off x="4698124" y="3901626"/>
+            <a:ext cx="3195145" cy="287361"/>
+          </a:xfrm>
+          <a:prstGeom prst="rect">
             <a:avLst/>
           </a:prstGeom>
-          <a:solidFill>
-            <a:srgbClr val="FF0000"/>
-          </a:solidFill>
+          <a:noFill/>
+          <a:ln>
+            <a:solidFill>
+              <a:srgbClr val="FF0000"/>
+            </a:solidFill>
+          </a:ln>
         </p:spPr>
         <p:style>
           <a:lnRef idx="2">
@@ -8452,155 +9954,44 @@
       </p:sp>
       <p:sp>
         <p:nvSpPr>
-          <p:cNvPr id="16" name="Arrow: Right 15">
-            <a:extLst>
-              <a:ext uri="{FF2B5EF4-FFF2-40B4-BE49-F238E27FC236}">
-                <a16:creationId xmlns:a16="http://schemas.microsoft.com/office/drawing/2014/main" id="{0A89758F-83D0-F6BC-5958-935FE86EFA1D}"/>
-              </a:ext>
-            </a:extLst>
-          </p:cNvPr>
-          <p:cNvSpPr/>
+          <p:cNvPr id="4" name="TextBox 3">
+            <a:extLst>
+              <a:ext uri="{FF2B5EF4-FFF2-40B4-BE49-F238E27FC236}">
+                <a16:creationId xmlns:a16="http://schemas.microsoft.com/office/drawing/2014/main" id="{4CEC293A-9831-3A62-AB62-C28F1270F0E9}"/>
+              </a:ext>
+            </a:extLst>
+          </p:cNvPr>
+          <p:cNvSpPr txBox="1"/>
           <p:nvPr/>
         </p:nvSpPr>
         <p:spPr>
           <a:xfrm>
-            <a:off x="4341860" y="2066325"/>
-            <a:ext cx="503434" cy="143838"/>
-          </a:xfrm>
-          <a:prstGeom prst="rightArrow">
+            <a:off x="9981768" y="-17819"/>
+            <a:ext cx="824521" cy="369332"/>
+          </a:xfrm>
+          <a:prstGeom prst="rect">
             <a:avLst/>
           </a:prstGeom>
-          <a:solidFill>
-            <a:srgbClr val="FF0000"/>
-          </a:solidFill>
-        </p:spPr>
-        <p:style>
-          <a:lnRef idx="2">
-            <a:schemeClr val="accent1">
-              <a:shade val="15000"/>
-            </a:schemeClr>
-          </a:lnRef>
-          <a:fillRef idx="1">
-            <a:schemeClr val="accent1"/>
-          </a:fillRef>
-          <a:effectRef idx="0">
-            <a:schemeClr val="accent1"/>
-          </a:effectRef>
-          <a:fontRef idx="minor">
-            <a:schemeClr val="lt1"/>
-          </a:fontRef>
-        </p:style>
-        <p:txBody>
-          <a:bodyPr rtlCol="0" anchor="ctr"/>
-          <a:lstStyle/>
-          <a:p>
-            <a:pPr algn="ctr"/>
-            <a:endParaRPr lang="en-US"/>
-          </a:p>
-        </p:txBody>
-      </p:sp>
-      <p:sp>
-        <p:nvSpPr>
-          <p:cNvPr id="17" name="Arrow: Right 16">
-            <a:extLst>
-              <a:ext uri="{FF2B5EF4-FFF2-40B4-BE49-F238E27FC236}">
-                <a16:creationId xmlns:a16="http://schemas.microsoft.com/office/drawing/2014/main" id="{CF3752B4-9EFB-6426-C295-AE6FD5CF9196}"/>
-              </a:ext>
-            </a:extLst>
-          </p:cNvPr>
-          <p:cNvSpPr/>
-          <p:nvPr/>
-        </p:nvSpPr>
-        <p:spPr>
-          <a:xfrm>
-            <a:off x="4341860" y="2210163"/>
-            <a:ext cx="503434" cy="143838"/>
-          </a:xfrm>
-          <a:prstGeom prst="rightArrow">
-            <a:avLst/>
-          </a:prstGeom>
-          <a:solidFill>
-            <a:srgbClr val="FF0000"/>
-          </a:solidFill>
-        </p:spPr>
-        <p:style>
-          <a:lnRef idx="2">
-            <a:schemeClr val="accent1">
-              <a:shade val="15000"/>
-            </a:schemeClr>
-          </a:lnRef>
-          <a:fillRef idx="1">
-            <a:schemeClr val="accent1"/>
-          </a:fillRef>
-          <a:effectRef idx="0">
-            <a:schemeClr val="accent1"/>
-          </a:effectRef>
-          <a:fontRef idx="minor">
-            <a:schemeClr val="lt1"/>
-          </a:fontRef>
-        </p:style>
-        <p:txBody>
-          <a:bodyPr rtlCol="0" anchor="ctr"/>
-          <a:lstStyle/>
-          <a:p>
-            <a:pPr algn="ctr"/>
-            <a:endParaRPr lang="en-US"/>
-          </a:p>
-        </p:txBody>
-      </p:sp>
-      <p:sp>
-        <p:nvSpPr>
-          <p:cNvPr id="18" name="Arrow: Right 17">
-            <a:extLst>
-              <a:ext uri="{FF2B5EF4-FFF2-40B4-BE49-F238E27FC236}">
-                <a16:creationId xmlns:a16="http://schemas.microsoft.com/office/drawing/2014/main" id="{6944FCEB-A7B2-9A5E-470E-C538EF2CF618}"/>
-              </a:ext>
-            </a:extLst>
-          </p:cNvPr>
-          <p:cNvSpPr/>
-          <p:nvPr/>
-        </p:nvSpPr>
-        <p:spPr>
-          <a:xfrm>
-            <a:off x="4341860" y="2354001"/>
-            <a:ext cx="503434" cy="143838"/>
-          </a:xfrm>
-          <a:prstGeom prst="rightArrow">
-            <a:avLst/>
-          </a:prstGeom>
-          <a:solidFill>
-            <a:srgbClr val="FF0000"/>
-          </a:solidFill>
-        </p:spPr>
-        <p:style>
-          <a:lnRef idx="2">
-            <a:schemeClr val="accent1">
-              <a:shade val="15000"/>
-            </a:schemeClr>
-          </a:lnRef>
-          <a:fillRef idx="1">
-            <a:schemeClr val="accent1"/>
-          </a:fillRef>
-          <a:effectRef idx="0">
-            <a:schemeClr val="accent1"/>
-          </a:effectRef>
-          <a:fontRef idx="minor">
-            <a:schemeClr val="lt1"/>
-          </a:fontRef>
-        </p:style>
-        <p:txBody>
-          <a:bodyPr rtlCol="0" anchor="ctr"/>
-          <a:lstStyle/>
-          <a:p>
-            <a:pPr algn="ctr"/>
-            <a:endParaRPr lang="en-US"/>
+          <a:noFill/>
+        </p:spPr>
+        <p:txBody>
+          <a:bodyPr wrap="none" rtlCol="0">
+            <a:spAutoFit/>
+          </a:bodyPr>
+          <a:lstStyle/>
+          <a:p>
+            <a:r>
+              <a:rPr lang="es-ES" dirty="0"/>
+              <a:t>Tables</a:t>
+            </a:r>
+            <a:endParaRPr lang="en-US" dirty="0"/>
           </a:p>
         </p:txBody>
       </p:sp>
     </p:spTree>
     <p:extLst>
       <p:ext uri="{BB962C8B-B14F-4D97-AF65-F5344CB8AC3E}">
-        <p14:creationId xmlns:p14="http://schemas.microsoft.com/office/powerpoint/2010/main" val="3942608588"/>
+        <p14:creationId xmlns:p14="http://schemas.microsoft.com/office/powerpoint/2010/main" val="1298381907"/>
       </p:ext>
     </p:extLst>
   </p:cSld>
@@ -8637,10 +10028,10 @@
       </p:grpSpPr>
       <p:sp useBgFill="1">
         <p:nvSpPr>
-          <p:cNvPr id="12" name="Rectangle 11">
-            <a:extLst>
-              <a:ext uri="{FF2B5EF4-FFF2-40B4-BE49-F238E27FC236}">
-                <a16:creationId xmlns:a16="http://schemas.microsoft.com/office/drawing/2014/main" id="{2151139A-886F-4B97-8815-729AD3831BBD}"/>
+          <p:cNvPr id="19" name="Rectangle 18">
+            <a:extLst>
+              <a:ext uri="{FF2B5EF4-FFF2-40B4-BE49-F238E27FC236}">
+                <a16:creationId xmlns:a16="http://schemas.microsoft.com/office/drawing/2014/main" id="{9CB95732-565A-4D2C-A3AB-CC460C0D3826}"/>
               </a:ext>
               <a:ext uri="{C183D7F6-B498-43B3-948B-1728B52AA6E4}">
                 <adec:decorative xmlns:adec="http://schemas.microsoft.com/office/drawing/2017/decorative" val="1"/>
@@ -8707,16 +10098,16 @@
           <a:lstStyle/>
           <a:p>
             <a:pPr algn="ctr"/>
-            <a:endParaRPr lang="en-US" sz="2000"/>
-          </a:p>
-        </p:txBody>
-      </p:sp>
-      <p:sp>
-        <p:nvSpPr>
-          <p:cNvPr id="14" name="Rectangle 13">
-            <a:extLst>
-              <a:ext uri="{FF2B5EF4-FFF2-40B4-BE49-F238E27FC236}">
-                <a16:creationId xmlns:a16="http://schemas.microsoft.com/office/drawing/2014/main" id="{AB5E08C4-8CDD-4623-A5B8-E998C6DEE3B7}"/>
+            <a:endParaRPr lang="en-US"/>
+          </a:p>
+        </p:txBody>
+      </p:sp>
+      <p:sp>
+        <p:nvSpPr>
+          <p:cNvPr id="21" name="Rectangle 20">
+            <a:extLst>
+              <a:ext uri="{FF2B5EF4-FFF2-40B4-BE49-F238E27FC236}">
+                <a16:creationId xmlns:a16="http://schemas.microsoft.com/office/drawing/2014/main" id="{77F1AF47-AE98-4034-BD91-1976FA4D9C4C}"/>
               </a:ext>
               <a:ext uri="{C183D7F6-B498-43B3-948B-1728B52AA6E4}">
                 <adec:decorative xmlns:adec="http://schemas.microsoft.com/office/drawing/2017/decorative" val="1"/>
@@ -8735,19 +10126,17 @@
           </p:nvPr>
         </p:nvSpPr>
         <p:spPr>
-          <a:xfrm flipH="1">
-            <a:off x="2" y="492"/>
-            <a:ext cx="12191998" cy="1575955"/>
+          <a:xfrm rot="5400000" flipH="1">
+            <a:off x="-1417539" y="1417538"/>
+            <a:ext cx="6875818" cy="4040744"/>
           </a:xfrm>
           <a:prstGeom prst="rect">
             <a:avLst/>
           </a:prstGeom>
           <a:gradFill>
             <a:gsLst>
-              <a:gs pos="0">
-                <a:schemeClr val="accent1">
-                  <a:lumMod val="50000"/>
-                </a:schemeClr>
+              <a:gs pos="11000">
+                <a:srgbClr val="000000"/>
               </a:gs>
               <a:gs pos="100000">
                 <a:schemeClr val="accent1">
@@ -8755,7 +10144,7 @@
                 </a:schemeClr>
               </a:gs>
             </a:gsLst>
-            <a:lin ang="8400000" scaled="0"/>
+            <a:lin ang="18600000" scaled="0"/>
           </a:gradFill>
           <a:ln>
             <a:noFill/>
@@ -8782,16 +10171,16 @@
           <a:lstStyle/>
           <a:p>
             <a:pPr algn="ctr"/>
-            <a:endParaRPr lang="en-US"/>
-          </a:p>
-        </p:txBody>
-      </p:sp>
-      <p:sp>
-        <p:nvSpPr>
-          <p:cNvPr id="16" name="Rectangle 15">
-            <a:extLst>
-              <a:ext uri="{FF2B5EF4-FFF2-40B4-BE49-F238E27FC236}">
-                <a16:creationId xmlns:a16="http://schemas.microsoft.com/office/drawing/2014/main" id="{15F33878-D502-4FFA-8ACE-F2AECDB2A23F}"/>
+            <a:endParaRPr lang="en-US" dirty="0"/>
+          </a:p>
+        </p:txBody>
+      </p:sp>
+      <p:sp>
+        <p:nvSpPr>
+          <p:cNvPr id="23" name="Rectangle 22">
+            <a:extLst>
+              <a:ext uri="{FF2B5EF4-FFF2-40B4-BE49-F238E27FC236}">
+                <a16:creationId xmlns:a16="http://schemas.microsoft.com/office/drawing/2014/main" id="{8EC0EE2B-2029-48DD-893D-F528E651B07D}"/>
               </a:ext>
               <a:ext uri="{C183D7F6-B498-43B3-948B-1728B52AA6E4}">
                 <adec:decorative xmlns:adec="http://schemas.microsoft.com/office/drawing/2017/decorative" val="1"/>
@@ -8810,28 +10199,27 @@
           </p:nvPr>
         </p:nvSpPr>
         <p:spPr>
-          <a:xfrm rot="10800000" flipH="1">
-            <a:off x="8128857" y="35"/>
-            <a:ext cx="4063143" cy="1576412"/>
+          <a:xfrm flipH="1">
+            <a:off x="457200" y="8482"/>
+            <a:ext cx="3568276" cy="6858000"/>
           </a:xfrm>
           <a:prstGeom prst="rect">
             <a:avLst/>
           </a:prstGeom>
           <a:gradFill>
             <a:gsLst>
-              <a:gs pos="19000">
+              <a:gs pos="0">
                 <a:schemeClr val="accent1">
-                  <a:lumMod val="50000"/>
-                  <a:alpha val="68000"/>
+                  <a:alpha val="32000"/>
                 </a:schemeClr>
               </a:gs>
-              <a:gs pos="100000">
-                <a:schemeClr val="accent1">
-                  <a:alpha val="79000"/>
-                </a:schemeClr>
+              <a:gs pos="70000">
+                <a:srgbClr val="000000">
+                  <a:alpha val="0"/>
+                </a:srgbClr>
               </a:gs>
             </a:gsLst>
-            <a:lin ang="19200000" scaled="0"/>
+            <a:lin ang="6000000" scaled="0"/>
           </a:gradFill>
           <a:ln>
             <a:noFill/>
@@ -8858,16 +10246,16 @@
           <a:lstStyle/>
           <a:p>
             <a:pPr algn="ctr"/>
-            <a:endParaRPr lang="en-US"/>
-          </a:p>
-        </p:txBody>
-      </p:sp>
-      <p:sp>
-        <p:nvSpPr>
-          <p:cNvPr id="18" name="Rectangle 17">
-            <a:extLst>
-              <a:ext uri="{FF2B5EF4-FFF2-40B4-BE49-F238E27FC236}">
-                <a16:creationId xmlns:a16="http://schemas.microsoft.com/office/drawing/2014/main" id="{D3539FEE-81D3-4406-802E-60B20B16F4F6}"/>
+            <a:endParaRPr lang="en-US" dirty="0"/>
+          </a:p>
+        </p:txBody>
+      </p:sp>
+      <p:sp>
+        <p:nvSpPr>
+          <p:cNvPr id="25" name="Freeform: Shape 24">
+            <a:extLst>
+              <a:ext uri="{FF2B5EF4-FFF2-40B4-BE49-F238E27FC236}">
+                <a16:creationId xmlns:a16="http://schemas.microsoft.com/office/drawing/2014/main" id="{45AE1D08-1ED1-4F59-B42F-4D8EA33DC8C6}"/>
               </a:ext>
               <a:ext uri="{C183D7F6-B498-43B3-948B-1728B52AA6E4}">
                 <adec:decorative xmlns:adec="http://schemas.microsoft.com/office/drawing/2017/decorative" val="1"/>
@@ -8886,27 +10274,123 @@
           </p:nvPr>
         </p:nvSpPr>
         <p:spPr>
-          <a:xfrm rot="5400000">
-            <a:off x="5307778" y="-5307777"/>
-            <a:ext cx="1576446" cy="12192001"/>
-          </a:xfrm>
-          <a:prstGeom prst="rect">
+          <a:xfrm rot="6097846">
+            <a:off x="-747355" y="1201312"/>
+            <a:ext cx="4808302" cy="4088666"/>
+          </a:xfrm>
+          <a:custGeom>
             <a:avLst/>
-          </a:prstGeom>
+            <a:gdLst>
+              <a:gd name="connsiteX0" fmla="*/ 48844 w 4808302"/>
+              <a:gd name="connsiteY0" fmla="*/ 2888671 h 4088666"/>
+              <a:gd name="connsiteX1" fmla="*/ 0 w 4808302"/>
+              <a:gd name="connsiteY1" fmla="*/ 2404151 h 4088666"/>
+              <a:gd name="connsiteX2" fmla="*/ 2404151 w 4808302"/>
+              <a:gd name="connsiteY2" fmla="*/ 0 h 4088666"/>
+              <a:gd name="connsiteX3" fmla="*/ 4808302 w 4808302"/>
+              <a:gd name="connsiteY3" fmla="*/ 2404151 h 4088666"/>
+              <a:gd name="connsiteX4" fmla="*/ 4700216 w 4808302"/>
+              <a:gd name="connsiteY4" fmla="*/ 3119072 h 4088666"/>
+              <a:gd name="connsiteX5" fmla="*/ 4643143 w 4808302"/>
+              <a:gd name="connsiteY5" fmla="*/ 3275009 h 4088666"/>
+              <a:gd name="connsiteX6" fmla="*/ 690093 w 4808302"/>
+              <a:gd name="connsiteY6" fmla="*/ 4088666 h 4088666"/>
+              <a:gd name="connsiteX7" fmla="*/ 548991 w 4808302"/>
+              <a:gd name="connsiteY7" fmla="*/ 3933414 h 4088666"/>
+              <a:gd name="connsiteX8" fmla="*/ 48844 w 4808302"/>
+              <a:gd name="connsiteY8" fmla="*/ 2888671 h 4088666"/>
+            </a:gdLst>
+            <a:ahLst/>
+            <a:cxnLst>
+              <a:cxn ang="0">
+                <a:pos x="connsiteX0" y="connsiteY0"/>
+              </a:cxn>
+              <a:cxn ang="0">
+                <a:pos x="connsiteX1" y="connsiteY1"/>
+              </a:cxn>
+              <a:cxn ang="0">
+                <a:pos x="connsiteX2" y="connsiteY2"/>
+              </a:cxn>
+              <a:cxn ang="0">
+                <a:pos x="connsiteX3" y="connsiteY3"/>
+              </a:cxn>
+              <a:cxn ang="0">
+                <a:pos x="connsiteX4" y="connsiteY4"/>
+              </a:cxn>
+              <a:cxn ang="0">
+                <a:pos x="connsiteX5" y="connsiteY5"/>
+              </a:cxn>
+              <a:cxn ang="0">
+                <a:pos x="connsiteX6" y="connsiteY6"/>
+              </a:cxn>
+              <a:cxn ang="0">
+                <a:pos x="connsiteX7" y="connsiteY7"/>
+              </a:cxn>
+              <a:cxn ang="0">
+                <a:pos x="connsiteX8" y="connsiteY8"/>
+              </a:cxn>
+            </a:cxnLst>
+            <a:rect l="l" t="t" r="r" b="b"/>
+            <a:pathLst>
+              <a:path w="4808302" h="4088666">
+                <a:moveTo>
+                  <a:pt x="48844" y="2888671"/>
+                </a:moveTo>
+                <a:cubicBezTo>
+                  <a:pt x="16818" y="2732167"/>
+                  <a:pt x="0" y="2570123"/>
+                  <a:pt x="0" y="2404151"/>
+                </a:cubicBezTo>
+                <a:cubicBezTo>
+                  <a:pt x="0" y="1076375"/>
+                  <a:pt x="1076375" y="0"/>
+                  <a:pt x="2404151" y="0"/>
+                </a:cubicBezTo>
+                <a:cubicBezTo>
+                  <a:pt x="3731927" y="0"/>
+                  <a:pt x="4808302" y="1076375"/>
+                  <a:pt x="4808302" y="2404151"/>
+                </a:cubicBezTo>
+                <a:cubicBezTo>
+                  <a:pt x="4808302" y="2653109"/>
+                  <a:pt x="4770461" y="2893229"/>
+                  <a:pt x="4700216" y="3119072"/>
+                </a:cubicBezTo>
+                <a:lnTo>
+                  <a:pt x="4643143" y="3275009"/>
+                </a:lnTo>
+                <a:lnTo>
+                  <a:pt x="690093" y="4088666"/>
+                </a:lnTo>
+                <a:lnTo>
+                  <a:pt x="548991" y="3933414"/>
+                </a:lnTo>
+                <a:cubicBezTo>
+                  <a:pt x="304015" y="3636572"/>
+                  <a:pt x="128908" y="3279932"/>
+                  <a:pt x="48844" y="2888671"/>
+                </a:cubicBezTo>
+                <a:close/>
+              </a:path>
+            </a:pathLst>
+          </a:custGeom>
           <a:gradFill>
             <a:gsLst>
-              <a:gs pos="16000">
-                <a:srgbClr val="000000">
+              <a:gs pos="39000">
+                <a:schemeClr val="accent1">
+                  <a:lumMod val="60000"/>
+                  <a:lumOff val="40000"/>
                   <a:alpha val="0"/>
-                </a:srgbClr>
+                </a:schemeClr>
               </a:gs>
-              <a:gs pos="99000">
-                <a:srgbClr val="000000">
-                  <a:alpha val="87000"/>
-                </a:srgbClr>
+              <a:gs pos="100000">
+                <a:schemeClr val="accent1">
+                  <a:lumMod val="75000"/>
+                  <a:alpha val="26000"/>
+                </a:schemeClr>
               </a:gs>
             </a:gsLst>
-            <a:lin ang="11400000" scaled="0"/>
+            <a:lin ang="16800000" scaled="0"/>
           </a:gradFill>
           <a:ln>
             <a:noFill/>
@@ -8929,7 +10413,9 @@
           </a:fontRef>
         </p:style>
         <p:txBody>
-          <a:bodyPr rtlCol="0" anchor="ctr"/>
+          <a:bodyPr wrap="square" rtlCol="0" anchor="ctr">
+            <a:noAutofit/>
+          </a:bodyPr>
           <a:lstStyle/>
           <a:p>
             <a:pPr algn="ctr"/>
@@ -8939,10 +10425,10 @@
       </p:sp>
       <p:sp>
         <p:nvSpPr>
-          <p:cNvPr id="20" name="Rectangle 19">
-            <a:extLst>
-              <a:ext uri="{FF2B5EF4-FFF2-40B4-BE49-F238E27FC236}">
-                <a16:creationId xmlns:a16="http://schemas.microsoft.com/office/drawing/2014/main" id="{DC701763-729E-462F-A5A8-E0DEFEB1E2E4}"/>
+          <p:cNvPr id="27" name="Rectangle 26">
+            <a:extLst>
+              <a:ext uri="{FF2B5EF4-FFF2-40B4-BE49-F238E27FC236}">
+                <a16:creationId xmlns:a16="http://schemas.microsoft.com/office/drawing/2014/main" id="{9A79B912-88EA-4640-BDEB-51B3B11A026A}"/>
               </a:ext>
               <a:ext uri="{C183D7F6-B498-43B3-948B-1728B52AA6E4}">
                 <adec:decorative xmlns:adec="http://schemas.microsoft.com/office/drawing/2017/decorative" val="1"/>
@@ -8961,9 +10447,9 @@
           </p:nvPr>
         </p:nvSpPr>
         <p:spPr>
-          <a:xfrm>
-            <a:off x="3825434" y="986"/>
-            <a:ext cx="4303422" cy="1575461"/>
+          <a:xfrm rot="16200000">
+            <a:off x="-159565" y="2659404"/>
+            <a:ext cx="4355594" cy="4040742"/>
           </a:xfrm>
           <a:prstGeom prst="rect">
             <a:avLst/>
@@ -8972,17 +10458,17 @@
             <a:gsLst>
               <a:gs pos="0">
                 <a:schemeClr val="accent1">
-                  <a:alpha val="17000"/>
+                  <a:alpha val="24000"/>
                 </a:schemeClr>
               </a:gs>
-              <a:gs pos="74000">
+              <a:gs pos="100000">
                 <a:schemeClr val="accent1">
                   <a:lumMod val="50000"/>
                   <a:alpha val="0"/>
                 </a:schemeClr>
               </a:gs>
             </a:gsLst>
-            <a:lin ang="14400000" scaled="0"/>
+            <a:lin ang="11400000" scaled="0"/>
           </a:gradFill>
           <a:ln>
             <a:noFill/>
@@ -9018,7 +10504,7 @@
           <p:cNvPr id="2" name="Title 1">
             <a:extLst>
               <a:ext uri="{FF2B5EF4-FFF2-40B4-BE49-F238E27FC236}">
-                <a16:creationId xmlns:a16="http://schemas.microsoft.com/office/drawing/2014/main" id="{CDA60196-91AE-DC70-3E25-BEB65450460C}"/>
+                <a16:creationId xmlns:a16="http://schemas.microsoft.com/office/drawing/2014/main" id="{0A59BA24-C09B-CB9B-2D51-2D7D570E2053}"/>
               </a:ext>
             </a:extLst>
           </p:cNvPr>
@@ -9031,12 +10517,12 @@
         </p:nvSpPr>
         <p:spPr>
           <a:xfrm>
-            <a:off x="699714" y="353160"/>
-            <a:ext cx="7091300" cy="898581"/>
-          </a:xfrm>
-        </p:spPr>
-        <p:txBody>
-          <a:bodyPr vert="horz" lIns="91440" tIns="45720" rIns="91440" bIns="45720" rtlCol="0" anchor="ctr">
+            <a:off x="662180" y="2862471"/>
+            <a:ext cx="3041803" cy="2907802"/>
+          </a:xfrm>
+        </p:spPr>
+        <p:txBody>
+          <a:bodyPr vert="horz" lIns="91440" tIns="45720" rIns="91440" bIns="45720" rtlCol="0" anchor="t">
             <a:normAutofit/>
           </a:bodyPr>
           <a:lstStyle/>
@@ -9047,17 +10533,17 @@
                   <a:srgbClr val="FFFFFF"/>
                 </a:solidFill>
               </a:rPr>
-              <a:t>Driven Trusted</a:t>
+              <a:t>Staging Schema creation and table creation</a:t>
             </a:r>
           </a:p>
         </p:txBody>
       </p:sp>
       <p:pic>
         <p:nvPicPr>
-          <p:cNvPr id="7" name="Picture 6">
-            <a:extLst>
-              <a:ext uri="{FF2B5EF4-FFF2-40B4-BE49-F238E27FC236}">
-                <a16:creationId xmlns:a16="http://schemas.microsoft.com/office/drawing/2014/main" id="{62968065-0AB7-065A-A936-D342E701E7B3}"/>
+          <p:cNvPr id="14" name="Picture 13">
+            <a:extLst>
+              <a:ext uri="{FF2B5EF4-FFF2-40B4-BE49-F238E27FC236}">
+                <a16:creationId xmlns:a16="http://schemas.microsoft.com/office/drawing/2014/main" id="{EB1C56CB-E8A0-25ED-FAF3-0F4E2789796B}"/>
               </a:ext>
             </a:extLst>
           </p:cNvPr>
@@ -9074,8 +10560,8 @@
         </p:blipFill>
         <p:spPr>
           <a:xfrm>
-            <a:off x="78930" y="2856216"/>
-            <a:ext cx="6187305" cy="2367241"/>
+            <a:off x="4230456" y="3477531"/>
+            <a:ext cx="6393671" cy="2887465"/>
           </a:xfrm>
           <a:prstGeom prst="rect">
             <a:avLst/>
@@ -9084,10 +10570,10 @@
       </p:pic>
       <p:pic>
         <p:nvPicPr>
-          <p:cNvPr id="4" name="Picture 3">
-            <a:extLst>
-              <a:ext uri="{FF2B5EF4-FFF2-40B4-BE49-F238E27FC236}">
-                <a16:creationId xmlns:a16="http://schemas.microsoft.com/office/drawing/2014/main" id="{2AA566B0-C770-016A-D6C4-791D9138F0AD}"/>
+          <p:cNvPr id="5" name="Picture 4" descr="A screenshot of a computer program&#10;&#10;AI-generated content may be incorrect.">
+            <a:extLst>
+              <a:ext uri="{FF2B5EF4-FFF2-40B4-BE49-F238E27FC236}">
+                <a16:creationId xmlns:a16="http://schemas.microsoft.com/office/drawing/2014/main" id="{6345C05C-9E0A-10B9-FDC7-7400C52CC168}"/>
               </a:ext>
             </a:extLst>
           </p:cNvPr>
@@ -9104,8 +10590,8 @@
         </p:blipFill>
         <p:spPr>
           <a:xfrm>
-            <a:off x="6509551" y="2647530"/>
-            <a:ext cx="5131087" cy="2501404"/>
+            <a:off x="4482676" y="1102654"/>
+            <a:ext cx="3562847" cy="1638529"/>
           </a:xfrm>
           <a:prstGeom prst="rect">
             <a:avLst/>
@@ -9114,10 +10600,10 @@
       </p:pic>
       <p:sp>
         <p:nvSpPr>
-          <p:cNvPr id="10" name="Arrow: Right 9">
-            <a:extLst>
-              <a:ext uri="{FF2B5EF4-FFF2-40B4-BE49-F238E27FC236}">
-                <a16:creationId xmlns:a16="http://schemas.microsoft.com/office/drawing/2014/main" id="{10F1F9F7-9CE6-6027-494C-74FFB8BAB890}"/>
+          <p:cNvPr id="15" name="Arrow: Right 14">
+            <a:extLst>
+              <a:ext uri="{FF2B5EF4-FFF2-40B4-BE49-F238E27FC236}">
+                <a16:creationId xmlns:a16="http://schemas.microsoft.com/office/drawing/2014/main" id="{A41657CB-1D99-BC9C-90C6-2A413DEB10BE}"/>
               </a:ext>
             </a:extLst>
           </p:cNvPr>
@@ -9126,7 +10612,7 @@
         </p:nvSpPr>
         <p:spPr>
           <a:xfrm>
-            <a:off x="6257832" y="4624590"/>
+            <a:off x="4093454" y="1820318"/>
             <a:ext cx="503434" cy="143838"/>
           </a:xfrm>
           <a:prstGeom prst="rightArrow">
@@ -9161,10 +10647,187 @@
           </a:p>
         </p:txBody>
       </p:sp>
+      <p:sp>
+        <p:nvSpPr>
+          <p:cNvPr id="16" name="Arrow: Right 15">
+            <a:extLst>
+              <a:ext uri="{FF2B5EF4-FFF2-40B4-BE49-F238E27FC236}">
+                <a16:creationId xmlns:a16="http://schemas.microsoft.com/office/drawing/2014/main" id="{0A89758F-83D0-F6BC-5958-935FE86EFA1D}"/>
+              </a:ext>
+            </a:extLst>
+          </p:cNvPr>
+          <p:cNvSpPr/>
+          <p:nvPr/>
+        </p:nvSpPr>
+        <p:spPr>
+          <a:xfrm>
+            <a:off x="4103554" y="2026448"/>
+            <a:ext cx="503434" cy="143838"/>
+          </a:xfrm>
+          <a:prstGeom prst="rightArrow">
+            <a:avLst/>
+          </a:prstGeom>
+          <a:solidFill>
+            <a:srgbClr val="FF0000"/>
+          </a:solidFill>
+        </p:spPr>
+        <p:style>
+          <a:lnRef idx="2">
+            <a:schemeClr val="accent1">
+              <a:shade val="15000"/>
+            </a:schemeClr>
+          </a:lnRef>
+          <a:fillRef idx="1">
+            <a:schemeClr val="accent1"/>
+          </a:fillRef>
+          <a:effectRef idx="0">
+            <a:schemeClr val="accent1"/>
+          </a:effectRef>
+          <a:fontRef idx="minor">
+            <a:schemeClr val="lt1"/>
+          </a:fontRef>
+        </p:style>
+        <p:txBody>
+          <a:bodyPr rtlCol="0" anchor="ctr"/>
+          <a:lstStyle/>
+          <a:p>
+            <a:pPr algn="ctr"/>
+            <a:endParaRPr lang="en-US"/>
+          </a:p>
+        </p:txBody>
+      </p:sp>
+      <p:sp>
+        <p:nvSpPr>
+          <p:cNvPr id="17" name="Arrow: Right 16">
+            <a:extLst>
+              <a:ext uri="{FF2B5EF4-FFF2-40B4-BE49-F238E27FC236}">
+                <a16:creationId xmlns:a16="http://schemas.microsoft.com/office/drawing/2014/main" id="{CF3752B4-9EFB-6426-C295-AE6FD5CF9196}"/>
+              </a:ext>
+            </a:extLst>
+          </p:cNvPr>
+          <p:cNvSpPr/>
+          <p:nvPr/>
+        </p:nvSpPr>
+        <p:spPr>
+          <a:xfrm>
+            <a:off x="4093454" y="2210163"/>
+            <a:ext cx="503434" cy="143838"/>
+          </a:xfrm>
+          <a:prstGeom prst="rightArrow">
+            <a:avLst/>
+          </a:prstGeom>
+          <a:solidFill>
+            <a:srgbClr val="FF0000"/>
+          </a:solidFill>
+        </p:spPr>
+        <p:style>
+          <a:lnRef idx="2">
+            <a:schemeClr val="accent1">
+              <a:shade val="15000"/>
+            </a:schemeClr>
+          </a:lnRef>
+          <a:fillRef idx="1">
+            <a:schemeClr val="accent1"/>
+          </a:fillRef>
+          <a:effectRef idx="0">
+            <a:schemeClr val="accent1"/>
+          </a:effectRef>
+          <a:fontRef idx="minor">
+            <a:schemeClr val="lt1"/>
+          </a:fontRef>
+        </p:style>
+        <p:txBody>
+          <a:bodyPr rtlCol="0" anchor="ctr"/>
+          <a:lstStyle/>
+          <a:p>
+            <a:pPr algn="ctr"/>
+            <a:endParaRPr lang="en-US"/>
+          </a:p>
+        </p:txBody>
+      </p:sp>
+      <p:sp>
+        <p:nvSpPr>
+          <p:cNvPr id="18" name="Arrow: Right 17">
+            <a:extLst>
+              <a:ext uri="{FF2B5EF4-FFF2-40B4-BE49-F238E27FC236}">
+                <a16:creationId xmlns:a16="http://schemas.microsoft.com/office/drawing/2014/main" id="{6944FCEB-A7B2-9A5E-470E-C538EF2CF618}"/>
+              </a:ext>
+            </a:extLst>
+          </p:cNvPr>
+          <p:cNvSpPr/>
+          <p:nvPr/>
+        </p:nvSpPr>
+        <p:spPr>
+          <a:xfrm>
+            <a:off x="4093454" y="2354001"/>
+            <a:ext cx="503434" cy="143838"/>
+          </a:xfrm>
+          <a:prstGeom prst="rightArrow">
+            <a:avLst/>
+          </a:prstGeom>
+          <a:solidFill>
+            <a:srgbClr val="FF0000"/>
+          </a:solidFill>
+        </p:spPr>
+        <p:style>
+          <a:lnRef idx="2">
+            <a:schemeClr val="accent1">
+              <a:shade val="15000"/>
+            </a:schemeClr>
+          </a:lnRef>
+          <a:fillRef idx="1">
+            <a:schemeClr val="accent1"/>
+          </a:fillRef>
+          <a:effectRef idx="0">
+            <a:schemeClr val="accent1"/>
+          </a:effectRef>
+          <a:fontRef idx="minor">
+            <a:schemeClr val="lt1"/>
+          </a:fontRef>
+        </p:style>
+        <p:txBody>
+          <a:bodyPr rtlCol="0" anchor="ctr"/>
+          <a:lstStyle/>
+          <a:p>
+            <a:pPr algn="ctr"/>
+            <a:endParaRPr lang="en-US"/>
+          </a:p>
+        </p:txBody>
+      </p:sp>
+      <p:pic>
+        <p:nvPicPr>
+          <p:cNvPr id="7" name="Picture 6" descr="A screen shot of a computer&#10;&#10;AI-generated content may be incorrect.">
+            <a:extLst>
+              <a:ext uri="{FF2B5EF4-FFF2-40B4-BE49-F238E27FC236}">
+                <a16:creationId xmlns:a16="http://schemas.microsoft.com/office/drawing/2014/main" id="{B7F58666-6A9C-ABC2-5664-4986FAF0EA7C}"/>
+              </a:ext>
+            </a:extLst>
+          </p:cNvPr>
+          <p:cNvPicPr>
+            <a:picLocks noChangeAspect="1"/>
+          </p:cNvPicPr>
+          <p:nvPr/>
+        </p:nvPicPr>
+        <p:blipFill>
+          <a:blip r:embed="rId4"/>
+          <a:stretch>
+            <a:fillRect/>
+          </a:stretch>
+        </p:blipFill>
+        <p:spPr>
+          <a:xfrm>
+            <a:off x="8722759" y="944085"/>
+            <a:ext cx="3217171" cy="1955666"/>
+          </a:xfrm>
+          <a:prstGeom prst="rect">
+            <a:avLst/>
+          </a:prstGeom>
+        </p:spPr>
+      </p:pic>
     </p:spTree>
     <p:extLst>
       <p:ext uri="{BB962C8B-B14F-4D97-AF65-F5344CB8AC3E}">
-        <p14:creationId xmlns:p14="http://schemas.microsoft.com/office/powerpoint/2010/main" val="1387216456"/>
+        <p14:creationId xmlns:p14="http://schemas.microsoft.com/office/powerpoint/2010/main" val="3942608588"/>
       </p:ext>
     </p:extLst>
   </p:cSld>
@@ -9201,10 +10864,10 @@
       </p:grpSpPr>
       <p:sp useBgFill="1">
         <p:nvSpPr>
-          <p:cNvPr id="9" name="Rectangle 8">
-            <a:extLst>
-              <a:ext uri="{FF2B5EF4-FFF2-40B4-BE49-F238E27FC236}">
-                <a16:creationId xmlns:a16="http://schemas.microsoft.com/office/drawing/2014/main" id="{A8384FB5-9ADC-4DDC-881B-597D56F5B15D}"/>
+          <p:cNvPr id="12" name="Rectangle 11">
+            <a:extLst>
+              <a:ext uri="{FF2B5EF4-FFF2-40B4-BE49-F238E27FC236}">
+                <a16:creationId xmlns:a16="http://schemas.microsoft.com/office/drawing/2014/main" id="{2151139A-886F-4B97-8815-729AD3831BBD}"/>
               </a:ext>
               <a:ext uri="{C183D7F6-B498-43B3-948B-1728B52AA6E4}">
                 <adec:decorative xmlns:adec="http://schemas.microsoft.com/office/drawing/2017/decorative" val="1"/>
@@ -9271,16 +10934,16 @@
           <a:lstStyle/>
           <a:p>
             <a:pPr algn="ctr"/>
-            <a:endParaRPr lang="en-US"/>
-          </a:p>
-        </p:txBody>
-      </p:sp>
-      <p:sp>
-        <p:nvSpPr>
-          <p:cNvPr id="11" name="Rectangle 10">
-            <a:extLst>
-              <a:ext uri="{FF2B5EF4-FFF2-40B4-BE49-F238E27FC236}">
-                <a16:creationId xmlns:a16="http://schemas.microsoft.com/office/drawing/2014/main" id="{1199E1B1-A8C0-4FE8-A5A8-1CB41D69F857}"/>
+            <a:endParaRPr lang="en-US" sz="2000"/>
+          </a:p>
+        </p:txBody>
+      </p:sp>
+      <p:sp>
+        <p:nvSpPr>
+          <p:cNvPr id="14" name="Rectangle 13">
+            <a:extLst>
+              <a:ext uri="{FF2B5EF4-FFF2-40B4-BE49-F238E27FC236}">
+                <a16:creationId xmlns:a16="http://schemas.microsoft.com/office/drawing/2014/main" id="{AB5E08C4-8CDD-4623-A5B8-E998C6DEE3B7}"/>
               </a:ext>
               <a:ext uri="{C183D7F6-B498-43B3-948B-1728B52AA6E4}">
                 <adec:decorative xmlns:adec="http://schemas.microsoft.com/office/drawing/2017/decorative" val="1"/>
@@ -9299,8 +10962,8 @@
           </p:nvPr>
         </p:nvSpPr>
         <p:spPr>
-          <a:xfrm rot="10800000" flipH="1">
-            <a:off x="2" y="0"/>
+          <a:xfrm flipH="1">
+            <a:off x="2" y="492"/>
             <a:ext cx="12191998" cy="1575955"/>
           </a:xfrm>
           <a:prstGeom prst="rect">
@@ -9309,9 +10972,9 @@
           <a:gradFill>
             <a:gsLst>
               <a:gs pos="0">
-                <a:srgbClr val="000000">
-                  <a:alpha val="96000"/>
-                </a:srgbClr>
+                <a:schemeClr val="accent1">
+                  <a:lumMod val="50000"/>
+                </a:schemeClr>
               </a:gs>
               <a:gs pos="100000">
                 <a:schemeClr val="accent1">
@@ -9319,7 +10982,7 @@
                 </a:schemeClr>
               </a:gs>
             </a:gsLst>
-            <a:lin ang="6000000" scaled="0"/>
+            <a:lin ang="8400000" scaled="0"/>
           </a:gradFill>
           <a:ln>
             <a:noFill/>
@@ -9352,10 +11015,10 @@
       </p:sp>
       <p:sp>
         <p:nvSpPr>
-          <p:cNvPr id="13" name="Rectangle 12">
-            <a:extLst>
-              <a:ext uri="{FF2B5EF4-FFF2-40B4-BE49-F238E27FC236}">
-                <a16:creationId xmlns:a16="http://schemas.microsoft.com/office/drawing/2014/main" id="{84A8DE83-DE75-4B41-9DB4-A7EC0B0DEC0B}"/>
+          <p:cNvPr id="16" name="Rectangle 15">
+            <a:extLst>
+              <a:ext uri="{FF2B5EF4-FFF2-40B4-BE49-F238E27FC236}">
+                <a16:creationId xmlns:a16="http://schemas.microsoft.com/office/drawing/2014/main" id="{15F33878-D502-4FFA-8ACE-F2AECDB2A23F}"/>
               </a:ext>
               <a:ext uri="{C183D7F6-B498-43B3-948B-1728B52AA6E4}">
                 <adec:decorative xmlns:adec="http://schemas.microsoft.com/office/drawing/2017/decorative" val="1"/>
@@ -9374,29 +11037,28 @@
           </p:nvPr>
         </p:nvSpPr>
         <p:spPr>
-          <a:xfrm>
-            <a:off x="0" y="0"/>
-            <a:ext cx="8128856" cy="1575461"/>
+          <a:xfrm rot="10800000" flipH="1">
+            <a:off x="8128857" y="35"/>
+            <a:ext cx="4063143" cy="1576412"/>
           </a:xfrm>
           <a:prstGeom prst="rect">
             <a:avLst/>
           </a:prstGeom>
           <a:gradFill>
             <a:gsLst>
-              <a:gs pos="0">
+              <a:gs pos="19000">
                 <a:schemeClr val="accent1">
-                  <a:alpha val="41000"/>
+                  <a:lumMod val="50000"/>
+                  <a:alpha val="68000"/>
                 </a:schemeClr>
               </a:gs>
-              <a:gs pos="74000">
+              <a:gs pos="100000">
                 <a:schemeClr val="accent1">
-                  <a:lumMod val="60000"/>
-                  <a:lumOff val="40000"/>
-                  <a:alpha val="0"/>
+                  <a:alpha val="79000"/>
                 </a:schemeClr>
               </a:gs>
             </a:gsLst>
-            <a:lin ang="8400000" scaled="0"/>
+            <a:lin ang="19200000" scaled="0"/>
           </a:gradFill>
           <a:ln>
             <a:noFill/>
@@ -9429,10 +11091,10 @@
       </p:sp>
       <p:sp>
         <p:nvSpPr>
-          <p:cNvPr id="15" name="Rectangle 14">
-            <a:extLst>
-              <a:ext uri="{FF2B5EF4-FFF2-40B4-BE49-F238E27FC236}">
-                <a16:creationId xmlns:a16="http://schemas.microsoft.com/office/drawing/2014/main" id="{A7009A0A-BEF5-4EAC-AF15-E4F9F002E239}"/>
+          <p:cNvPr id="18" name="Rectangle 17">
+            <a:extLst>
+              <a:ext uri="{FF2B5EF4-FFF2-40B4-BE49-F238E27FC236}">
+                <a16:creationId xmlns:a16="http://schemas.microsoft.com/office/drawing/2014/main" id="{D3539FEE-81D3-4406-802E-60B20B16F4F6}"/>
               </a:ext>
               <a:ext uri="{C183D7F6-B498-43B3-948B-1728B52AA6E4}">
                 <adec:decorative xmlns:adec="http://schemas.microsoft.com/office/drawing/2017/decorative" val="1"/>
@@ -9451,27 +11113,27 @@
           </p:nvPr>
         </p:nvSpPr>
         <p:spPr>
-          <a:xfrm flipH="1">
-            <a:off x="-3" y="-1"/>
-            <a:ext cx="12192002" cy="1574311"/>
+          <a:xfrm rot="5400000">
+            <a:off x="5307778" y="-5307777"/>
+            <a:ext cx="1576446" cy="12192001"/>
           </a:xfrm>
           <a:prstGeom prst="rect">
             <a:avLst/>
           </a:prstGeom>
           <a:gradFill>
             <a:gsLst>
-              <a:gs pos="0">
+              <a:gs pos="16000">
                 <a:srgbClr val="000000">
-                  <a:alpha val="63000"/>
+                  <a:alpha val="0"/>
                 </a:srgbClr>
               </a:gs>
-              <a:gs pos="78000">
-                <a:schemeClr val="accent1">
-                  <a:alpha val="15000"/>
-                </a:schemeClr>
+              <a:gs pos="99000">
+                <a:srgbClr val="000000">
+                  <a:alpha val="87000"/>
+                </a:srgbClr>
               </a:gs>
             </a:gsLst>
-            <a:lin ang="15600000" scaled="0"/>
+            <a:lin ang="11400000" scaled="0"/>
           </a:gradFill>
           <a:ln>
             <a:noFill/>
@@ -9498,6 +11160,82 @@
           <a:lstStyle/>
           <a:p>
             <a:pPr algn="ctr"/>
+            <a:endParaRPr lang="en-US" dirty="0"/>
+          </a:p>
+        </p:txBody>
+      </p:sp>
+      <p:sp>
+        <p:nvSpPr>
+          <p:cNvPr id="20" name="Rectangle 19">
+            <a:extLst>
+              <a:ext uri="{FF2B5EF4-FFF2-40B4-BE49-F238E27FC236}">
+                <a16:creationId xmlns:a16="http://schemas.microsoft.com/office/drawing/2014/main" id="{DC701763-729E-462F-A5A8-E0DEFEB1E2E4}"/>
+              </a:ext>
+              <a:ext uri="{C183D7F6-B498-43B3-948B-1728B52AA6E4}">
+                <adec:decorative xmlns:adec="http://schemas.microsoft.com/office/drawing/2017/decorative" val="1"/>
+              </a:ext>
+            </a:extLst>
+          </p:cNvPr>
+          <p:cNvSpPr>
+            <a:spLocks noGrp="1" noRot="1" noChangeAspect="1" noMove="1" noResize="1" noEditPoints="1" noAdjustHandles="1" noChangeArrowheads="1" noChangeShapeType="1" noTextEdit="1"/>
+          </p:cNvSpPr>
+          <p:nvPr>
+            <p:extLst>
+              <p:ext uri="{386F3935-93C4-4BCD-93E2-E3B085C9AB24}">
+                <p16:designElem xmlns:p16="http://schemas.microsoft.com/office/powerpoint/2015/main" val="1"/>
+              </p:ext>
+            </p:extLst>
+          </p:nvPr>
+        </p:nvSpPr>
+        <p:spPr>
+          <a:xfrm>
+            <a:off x="3825434" y="986"/>
+            <a:ext cx="4303422" cy="1575461"/>
+          </a:xfrm>
+          <a:prstGeom prst="rect">
+            <a:avLst/>
+          </a:prstGeom>
+          <a:gradFill>
+            <a:gsLst>
+              <a:gs pos="0">
+                <a:schemeClr val="accent1">
+                  <a:alpha val="17000"/>
+                </a:schemeClr>
+              </a:gs>
+              <a:gs pos="74000">
+                <a:schemeClr val="accent1">
+                  <a:lumMod val="50000"/>
+                  <a:alpha val="0"/>
+                </a:schemeClr>
+              </a:gs>
+            </a:gsLst>
+            <a:lin ang="14400000" scaled="0"/>
+          </a:gradFill>
+          <a:ln>
+            <a:noFill/>
+          </a:ln>
+        </p:spPr>
+        <p:style>
+          <a:lnRef idx="2">
+            <a:schemeClr val="accent1">
+              <a:shade val="50000"/>
+            </a:schemeClr>
+          </a:lnRef>
+          <a:fillRef idx="1">
+            <a:schemeClr val="accent1"/>
+          </a:fillRef>
+          <a:effectRef idx="0">
+            <a:schemeClr val="accent1"/>
+          </a:effectRef>
+          <a:fontRef idx="minor">
+            <a:schemeClr val="lt1"/>
+          </a:fontRef>
+        </p:style>
+        <p:txBody>
+          <a:bodyPr rtlCol="0" anchor="ctr"/>
+          <a:lstStyle/>
+          <a:p>
+            <a:pPr algn="ctr"/>
             <a:endParaRPr lang="en-US"/>
           </a:p>
         </p:txBody>
@@ -9507,7 +11245,7 @@
           <p:cNvPr id="2" name="Title 1">
             <a:extLst>
               <a:ext uri="{FF2B5EF4-FFF2-40B4-BE49-F238E27FC236}">
-                <a16:creationId xmlns:a16="http://schemas.microsoft.com/office/drawing/2014/main" id="{1BBE05CF-865F-E0CB-B85E-F831256EB7EC}"/>
+                <a16:creationId xmlns:a16="http://schemas.microsoft.com/office/drawing/2014/main" id="{CDA60196-91AE-DC70-3E25-BEB65450460C}"/>
               </a:ext>
             </a:extLst>
           </p:cNvPr>
@@ -9520,8 +11258,8 @@
         </p:nvSpPr>
         <p:spPr>
           <a:xfrm>
-            <a:off x="699713" y="248038"/>
-            <a:ext cx="7063721" cy="1159200"/>
+            <a:off x="699714" y="353160"/>
+            <a:ext cx="7091300" cy="898581"/>
           </a:xfrm>
         </p:spPr>
         <p:txBody>
@@ -9531,25 +11269,22 @@
           <a:lstStyle/>
           <a:p>
             <a:r>
-              <a:rPr lang="en-US" sz="4000" kern="1200">
+              <a:rPr lang="en-US" sz="4000" dirty="0">
                 <a:solidFill>
                   <a:srgbClr val="FFFFFF"/>
                 </a:solidFill>
-                <a:latin typeface="+mj-lt"/>
-                <a:ea typeface="+mj-ea"/>
-                <a:cs typeface="+mj-cs"/>
               </a:rPr>
-              <a:t>Airflow DAG execution</a:t>
+              <a:t>Driven Trusted + no PII</a:t>
             </a:r>
           </a:p>
         </p:txBody>
       </p:sp>
       <p:pic>
         <p:nvPicPr>
-          <p:cNvPr id="4" name="Picture 3">
-            <a:extLst>
-              <a:ext uri="{FF2B5EF4-FFF2-40B4-BE49-F238E27FC236}">
-                <a16:creationId xmlns:a16="http://schemas.microsoft.com/office/drawing/2014/main" id="{F578B035-D8B0-821F-ACF8-C2E7E1EF469E}"/>
+          <p:cNvPr id="5" name="Picture 4" descr="A screenshot of a computer program&#10;&#10;AI-generated content may be incorrect.">
+            <a:extLst>
+              <a:ext uri="{FF2B5EF4-FFF2-40B4-BE49-F238E27FC236}">
+                <a16:creationId xmlns:a16="http://schemas.microsoft.com/office/drawing/2014/main" id="{F228CCCB-F5C5-D912-A3DA-B8A5408B156C}"/>
               </a:ext>
             </a:extLst>
           </p:cNvPr>
@@ -9566,18 +11301,114 @@
         </p:blipFill>
         <p:spPr>
           <a:xfrm>
-            <a:off x="1048403" y="1614217"/>
-            <a:ext cx="10510555" cy="5202724"/>
+            <a:off x="598096" y="1959483"/>
+            <a:ext cx="3791479" cy="1505160"/>
           </a:xfrm>
           <a:prstGeom prst="rect">
             <a:avLst/>
           </a:prstGeom>
         </p:spPr>
       </p:pic>
+      <p:pic>
+        <p:nvPicPr>
+          <p:cNvPr id="8" name="Picture 7" descr="A screenshot of a computer screen&#10;&#10;AI-generated content may be incorrect.">
+            <a:extLst>
+              <a:ext uri="{FF2B5EF4-FFF2-40B4-BE49-F238E27FC236}">
+                <a16:creationId xmlns:a16="http://schemas.microsoft.com/office/drawing/2014/main" id="{B886804B-BF82-EC0D-B572-EB5B833F289D}"/>
+              </a:ext>
+            </a:extLst>
+          </p:cNvPr>
+          <p:cNvPicPr>
+            <a:picLocks noChangeAspect="1"/>
+          </p:cNvPicPr>
+          <p:nvPr/>
+        </p:nvPicPr>
+        <p:blipFill>
+          <a:blip r:embed="rId3"/>
+          <a:stretch>
+            <a:fillRect/>
+          </a:stretch>
+        </p:blipFill>
+        <p:spPr>
+          <a:xfrm>
+            <a:off x="4987670" y="1816083"/>
+            <a:ext cx="6770435" cy="2127110"/>
+          </a:xfrm>
+          <a:prstGeom prst="rect">
+            <a:avLst/>
+          </a:prstGeom>
+        </p:spPr>
+      </p:pic>
+      <p:pic>
+        <p:nvPicPr>
+          <p:cNvPr id="11" name="Picture 10" descr="A screen shot of a computer&#10;&#10;AI-generated content may be incorrect.">
+            <a:extLst>
+              <a:ext uri="{FF2B5EF4-FFF2-40B4-BE49-F238E27FC236}">
+                <a16:creationId xmlns:a16="http://schemas.microsoft.com/office/drawing/2014/main" id="{F6D452CD-4657-8226-20C8-D4B040639894}"/>
+              </a:ext>
+            </a:extLst>
+          </p:cNvPr>
+          <p:cNvPicPr>
+            <a:picLocks noChangeAspect="1"/>
+          </p:cNvPicPr>
+          <p:nvPr/>
+        </p:nvPicPr>
+        <p:blipFill>
+          <a:blip r:embed="rId4"/>
+          <a:stretch>
+            <a:fillRect/>
+          </a:stretch>
+        </p:blipFill>
+        <p:spPr>
+          <a:xfrm>
+            <a:off x="384048" y="4152647"/>
+            <a:ext cx="6163535" cy="2495898"/>
+          </a:xfrm>
+          <a:prstGeom prst="rect">
+            <a:avLst/>
+          </a:prstGeom>
+        </p:spPr>
+      </p:pic>
+      <p:sp>
+        <p:nvSpPr>
+          <p:cNvPr id="13" name="TextBox 12">
+            <a:extLst>
+              <a:ext uri="{FF2B5EF4-FFF2-40B4-BE49-F238E27FC236}">
+                <a16:creationId xmlns:a16="http://schemas.microsoft.com/office/drawing/2014/main" id="{5FE5D7F1-76F4-DF0A-DA83-068A518FC5F1}"/>
+              </a:ext>
+            </a:extLst>
+          </p:cNvPr>
+          <p:cNvSpPr txBox="1"/>
+          <p:nvPr/>
+        </p:nvSpPr>
+        <p:spPr>
+          <a:xfrm>
+            <a:off x="1669314" y="1634777"/>
+            <a:ext cx="824521" cy="369332"/>
+          </a:xfrm>
+          <a:prstGeom prst="rect">
+            <a:avLst/>
+          </a:prstGeom>
+          <a:noFill/>
+        </p:spPr>
+        <p:txBody>
+          <a:bodyPr wrap="none" rtlCol="0">
+            <a:spAutoFit/>
+          </a:bodyPr>
+          <a:lstStyle/>
+          <a:p>
+            <a:r>
+              <a:rPr lang="es-ES" dirty="0"/>
+              <a:t>Tables</a:t>
+            </a:r>
+            <a:endParaRPr lang="en-US" dirty="0"/>
+          </a:p>
+        </p:txBody>
+      </p:sp>
     </p:spTree>
     <p:extLst>
       <p:ext uri="{BB962C8B-B14F-4D97-AF65-F5344CB8AC3E}">
-        <p14:creationId xmlns:p14="http://schemas.microsoft.com/office/powerpoint/2010/main" val="3896423487"/>
+        <p14:creationId xmlns:p14="http://schemas.microsoft.com/office/powerpoint/2010/main" val="1387216456"/>
       </p:ext>
     </p:extLst>
   </p:cSld>
